--- a/CHING JIAN/C_Class/03_迴圈大法.pptx
+++ b/CHING JIAN/C_Class/03_迴圈大法.pptx
@@ -5,7 +5,7 @@
     <p:sldMasterId id="2147483648" r:id="rId1"/>
   </p:sldMasterIdLst>
   <p:notesMasterIdLst>
-    <p:notesMasterId r:id="rId34"/>
+    <p:notesMasterId r:id="rId37"/>
   </p:notesMasterIdLst>
   <p:sldIdLst>
     <p:sldId id="256" r:id="rId2"/>
@@ -40,6 +40,9 @@
     <p:sldId id="285" r:id="rId31"/>
     <p:sldId id="286" r:id="rId32"/>
     <p:sldId id="287" r:id="rId33"/>
+    <p:sldId id="288" r:id="rId34"/>
+    <p:sldId id="289" r:id="rId35"/>
+    <p:sldId id="290" r:id="rId36"/>
   </p:sldIdLst>
   <p:sldSz cx="12192000" cy="6858000"/>
   <p:notesSz cx="6858000" cy="9144000"/>
@@ -239,7 +242,7 @@
           <a:p>
             <a:fld id="{3829F076-822F-4A1E-B104-9D9E5204E598}" type="datetimeFigureOut">
               <a:rPr lang="zh-TW" altLang="en-US" smtClean="0"/>
-              <a:t>2020/12/13</a:t>
+              <a:t>2021/1/11</a:t>
             </a:fld>
             <a:endParaRPr lang="zh-TW" altLang="en-US"/>
           </a:p>
@@ -1253,7 +1256,7 @@
             <a:fld id="{B61BEF0D-F0BB-DE4B-95CE-6DB70DBA9567}" type="datetimeFigureOut">
               <a:rPr lang="en-US" dirty="0"/>
               <a:pPr/>
-              <a:t>12/13/2020</a:t>
+              <a:t>1/11/2021</a:t>
             </a:fld>
             <a:endParaRPr lang="en-US" dirty="0"/>
           </a:p>
@@ -1302,6 +1305,304 @@
           </a:p>
         </p:txBody>
       </p:sp>
+      <p:grpSp>
+        <p:nvGrpSpPr>
+          <p:cNvPr id="18" name="群組 17"/>
+          <p:cNvGrpSpPr/>
+          <p:nvPr userDrawn="1"/>
+        </p:nvGrpSpPr>
+        <p:grpSpPr>
+          <a:xfrm>
+            <a:off x="391162" y="5190835"/>
+            <a:ext cx="914625" cy="807425"/>
+            <a:chOff x="1173311" y="676438"/>
+            <a:chExt cx="1463040" cy="1262399"/>
+          </a:xfrm>
+        </p:grpSpPr>
+        <p:sp>
+          <p:nvSpPr>
+            <p:cNvPr id="28" name="六邊形 27"/>
+            <p:cNvSpPr/>
+            <p:nvPr/>
+          </p:nvSpPr>
+          <p:spPr>
+            <a:xfrm>
+              <a:off x="1173311" y="676438"/>
+              <a:ext cx="1463040" cy="1262399"/>
+            </a:xfrm>
+            <a:prstGeom prst="hexagon">
+              <a:avLst/>
+            </a:prstGeom>
+            <a:gradFill flip="none" rotWithShape="1">
+              <a:gsLst>
+                <a:gs pos="0">
+                  <a:schemeClr val="accent2">
+                    <a:lumMod val="60000"/>
+                    <a:lumOff val="40000"/>
+                  </a:schemeClr>
+                </a:gs>
+                <a:gs pos="44000">
+                  <a:schemeClr val="accent2">
+                    <a:lumMod val="89000"/>
+                  </a:schemeClr>
+                </a:gs>
+                <a:gs pos="74000">
+                  <a:schemeClr val="accent2">
+                    <a:lumMod val="75000"/>
+                  </a:schemeClr>
+                </a:gs>
+                <a:gs pos="97000">
+                  <a:schemeClr val="accent2">
+                    <a:lumMod val="70000"/>
+                  </a:schemeClr>
+                </a:gs>
+              </a:gsLst>
+              <a:path path="circle">
+                <a:fillToRect l="50000" t="50000" r="50000" b="50000"/>
+              </a:path>
+              <a:tileRect/>
+            </a:gradFill>
+            <a:ln>
+              <a:noFill/>
+            </a:ln>
+          </p:spPr>
+          <p:style>
+            <a:lnRef idx="2">
+              <a:schemeClr val="accent1">
+                <a:shade val="50000"/>
+              </a:schemeClr>
+            </a:lnRef>
+            <a:fillRef idx="1">
+              <a:schemeClr val="accent1"/>
+            </a:fillRef>
+            <a:effectRef idx="0">
+              <a:schemeClr val="accent1"/>
+            </a:effectRef>
+            <a:fontRef idx="minor">
+              <a:schemeClr val="lt1"/>
+            </a:fontRef>
+          </p:style>
+          <p:txBody>
+            <a:bodyPr rtlCol="0" anchor="ctr"/>
+            <a:lstStyle/>
+            <a:p>
+              <a:pPr algn="ctr"/>
+              <a:endParaRPr lang="zh-TW" altLang="en-US"/>
+            </a:p>
+          </p:txBody>
+        </p:sp>
+        <p:sp>
+          <p:nvSpPr>
+            <p:cNvPr id="29" name="拱形 28"/>
+            <p:cNvSpPr/>
+            <p:nvPr/>
+          </p:nvSpPr>
+          <p:spPr>
+            <a:xfrm>
+              <a:off x="1507067" y="768142"/>
+              <a:ext cx="795528" cy="1078992"/>
+            </a:xfrm>
+            <a:prstGeom prst="blockArc">
+              <a:avLst>
+                <a:gd name="adj1" fmla="val 1897355"/>
+                <a:gd name="adj2" fmla="val 19280511"/>
+                <a:gd name="adj3" fmla="val 24604"/>
+              </a:avLst>
+            </a:prstGeom>
+            <a:solidFill>
+              <a:schemeClr val="accent5">
+                <a:lumMod val="60000"/>
+                <a:lumOff val="40000"/>
+              </a:schemeClr>
+            </a:solidFill>
+            <a:ln>
+              <a:solidFill>
+                <a:schemeClr val="accent5">
+                  <a:lumMod val="60000"/>
+                  <a:lumOff val="40000"/>
+                </a:schemeClr>
+              </a:solidFill>
+            </a:ln>
+          </p:spPr>
+          <p:style>
+            <a:lnRef idx="2">
+              <a:schemeClr val="accent1">
+                <a:shade val="50000"/>
+              </a:schemeClr>
+            </a:lnRef>
+            <a:fillRef idx="1">
+              <a:schemeClr val="accent1"/>
+            </a:fillRef>
+            <a:effectRef idx="0">
+              <a:schemeClr val="accent1"/>
+            </a:effectRef>
+            <a:fontRef idx="minor">
+              <a:schemeClr val="lt1"/>
+            </a:fontRef>
+          </p:style>
+          <p:txBody>
+            <a:bodyPr rtlCol="0" anchor="ctr"/>
+            <a:lstStyle/>
+            <a:p>
+              <a:pPr algn="ctr"/>
+              <a:endParaRPr lang="zh-TW" altLang="en-US">
+                <a:solidFill>
+                  <a:schemeClr val="tx1"/>
+                </a:solidFill>
+              </a:endParaRPr>
+            </a:p>
+          </p:txBody>
+        </p:sp>
+      </p:grpSp>
+      <p:grpSp>
+        <p:nvGrpSpPr>
+          <p:cNvPr id="30" name="群組 29"/>
+          <p:cNvGrpSpPr/>
+          <p:nvPr userDrawn="1"/>
+        </p:nvGrpSpPr>
+        <p:grpSpPr>
+          <a:xfrm>
+            <a:off x="543562" y="5343235"/>
+            <a:ext cx="914625" cy="807425"/>
+            <a:chOff x="1173311" y="676438"/>
+            <a:chExt cx="1463040" cy="1262399"/>
+          </a:xfrm>
+        </p:grpSpPr>
+        <p:sp>
+          <p:nvSpPr>
+            <p:cNvPr id="31" name="六邊形 30"/>
+            <p:cNvSpPr/>
+            <p:nvPr/>
+          </p:nvSpPr>
+          <p:spPr>
+            <a:xfrm>
+              <a:off x="1173311" y="676438"/>
+              <a:ext cx="1463040" cy="1262399"/>
+            </a:xfrm>
+            <a:prstGeom prst="hexagon">
+              <a:avLst/>
+            </a:prstGeom>
+            <a:gradFill flip="none" rotWithShape="1">
+              <a:gsLst>
+                <a:gs pos="0">
+                  <a:schemeClr val="accent2">
+                    <a:lumMod val="60000"/>
+                    <a:lumOff val="40000"/>
+                  </a:schemeClr>
+                </a:gs>
+                <a:gs pos="44000">
+                  <a:schemeClr val="accent2">
+                    <a:lumMod val="89000"/>
+                  </a:schemeClr>
+                </a:gs>
+                <a:gs pos="74000">
+                  <a:schemeClr val="accent2">
+                    <a:lumMod val="75000"/>
+                  </a:schemeClr>
+                </a:gs>
+                <a:gs pos="97000">
+                  <a:schemeClr val="accent2">
+                    <a:lumMod val="70000"/>
+                  </a:schemeClr>
+                </a:gs>
+              </a:gsLst>
+              <a:path path="circle">
+                <a:fillToRect l="50000" t="50000" r="50000" b="50000"/>
+              </a:path>
+              <a:tileRect/>
+            </a:gradFill>
+            <a:ln>
+              <a:noFill/>
+            </a:ln>
+          </p:spPr>
+          <p:style>
+            <a:lnRef idx="2">
+              <a:schemeClr val="accent1">
+                <a:shade val="50000"/>
+              </a:schemeClr>
+            </a:lnRef>
+            <a:fillRef idx="1">
+              <a:schemeClr val="accent1"/>
+            </a:fillRef>
+            <a:effectRef idx="0">
+              <a:schemeClr val="accent1"/>
+            </a:effectRef>
+            <a:fontRef idx="minor">
+              <a:schemeClr val="lt1"/>
+            </a:fontRef>
+          </p:style>
+          <p:txBody>
+            <a:bodyPr rtlCol="0" anchor="ctr"/>
+            <a:lstStyle/>
+            <a:p>
+              <a:pPr algn="ctr"/>
+              <a:endParaRPr lang="zh-TW" altLang="en-US"/>
+            </a:p>
+          </p:txBody>
+        </p:sp>
+        <p:sp>
+          <p:nvSpPr>
+            <p:cNvPr id="32" name="拱形 31"/>
+            <p:cNvSpPr/>
+            <p:nvPr/>
+          </p:nvSpPr>
+          <p:spPr>
+            <a:xfrm>
+              <a:off x="1507067" y="768142"/>
+              <a:ext cx="795528" cy="1078992"/>
+            </a:xfrm>
+            <a:prstGeom prst="blockArc">
+              <a:avLst>
+                <a:gd name="adj1" fmla="val 1897355"/>
+                <a:gd name="adj2" fmla="val 19280511"/>
+                <a:gd name="adj3" fmla="val 24604"/>
+              </a:avLst>
+            </a:prstGeom>
+            <a:solidFill>
+              <a:schemeClr val="accent5">
+                <a:lumMod val="60000"/>
+                <a:lumOff val="40000"/>
+              </a:schemeClr>
+            </a:solidFill>
+            <a:ln>
+              <a:solidFill>
+                <a:schemeClr val="accent5">
+                  <a:lumMod val="60000"/>
+                  <a:lumOff val="40000"/>
+                </a:schemeClr>
+              </a:solidFill>
+            </a:ln>
+          </p:spPr>
+          <p:style>
+            <a:lnRef idx="2">
+              <a:schemeClr val="accent1">
+                <a:shade val="50000"/>
+              </a:schemeClr>
+            </a:lnRef>
+            <a:fillRef idx="1">
+              <a:schemeClr val="accent1"/>
+            </a:fillRef>
+            <a:effectRef idx="0">
+              <a:schemeClr val="accent1"/>
+            </a:effectRef>
+            <a:fontRef idx="minor">
+              <a:schemeClr val="lt1"/>
+            </a:fontRef>
+          </p:style>
+          <p:txBody>
+            <a:bodyPr rtlCol="0" anchor="ctr"/>
+            <a:lstStyle/>
+            <a:p>
+              <a:pPr algn="ctr"/>
+              <a:endParaRPr lang="zh-TW" altLang="en-US">
+                <a:solidFill>
+                  <a:schemeClr val="tx1"/>
+                </a:solidFill>
+              </a:endParaRPr>
+            </a:p>
+          </p:txBody>
+        </p:sp>
+      </p:grpSp>
     </p:spTree>
   </p:cSld>
   <p:clrMapOvr>
@@ -1501,7 +1802,7 @@
             <a:fld id="{B61BEF0D-F0BB-DE4B-95CE-6DB70DBA9567}" type="datetimeFigureOut">
               <a:rPr lang="en-US" dirty="0"/>
               <a:pPr/>
-              <a:t>12/13/2020</a:t>
+              <a:t>1/11/2021</a:t>
             </a:fld>
             <a:endParaRPr lang="en-US" dirty="0"/>
           </a:p>
@@ -1812,7 +2113,7 @@
             <a:fld id="{B61BEF0D-F0BB-DE4B-95CE-6DB70DBA9567}" type="datetimeFigureOut">
               <a:rPr lang="en-US" dirty="0"/>
               <a:pPr/>
-              <a:t>12/13/2020</a:t>
+              <a:t>1/11/2021</a:t>
             </a:fld>
             <a:endParaRPr lang="en-US" dirty="0"/>
           </a:p>
@@ -2142,7 +2443,7 @@
             <a:fld id="{B61BEF0D-F0BB-DE4B-95CE-6DB70DBA9567}" type="datetimeFigureOut">
               <a:rPr lang="en-US" dirty="0"/>
               <a:pPr/>
-              <a:t>12/13/2020</a:t>
+              <a:t>1/11/2021</a:t>
             </a:fld>
             <a:endParaRPr lang="en-US" dirty="0"/>
           </a:p>
@@ -2453,7 +2754,7 @@
             <a:fld id="{B61BEF0D-F0BB-DE4B-95CE-6DB70DBA9567}" type="datetimeFigureOut">
               <a:rPr lang="en-US" dirty="0"/>
               <a:pPr/>
-              <a:t>12/13/2020</a:t>
+              <a:t>1/11/2021</a:t>
             </a:fld>
             <a:endParaRPr lang="en-US" dirty="0"/>
           </a:p>
@@ -2843,7 +3144,7 @@
             <a:fld id="{B61BEF0D-F0BB-DE4B-95CE-6DB70DBA9567}" type="datetimeFigureOut">
               <a:rPr lang="en-US" dirty="0"/>
               <a:pPr/>
-              <a:t>12/13/2020</a:t>
+              <a:t>1/11/2021</a:t>
             </a:fld>
             <a:endParaRPr lang="en-US" dirty="0"/>
           </a:p>
@@ -3009,7 +3310,7 @@
           <a:p>
             <a:fld id="{55C6B4A9-1611-4792-9094-5F34BCA07E0B}" type="datetimeFigureOut">
               <a:rPr lang="en-US" dirty="0"/>
-              <a:t>12/13/2020</a:t>
+              <a:t>1/11/2021</a:t>
             </a:fld>
             <a:endParaRPr lang="en-US" dirty="0"/>
           </a:p>
@@ -3185,7 +3486,7 @@
             <a:fld id="{B61BEF0D-F0BB-DE4B-95CE-6DB70DBA9567}" type="datetimeFigureOut">
               <a:rPr lang="en-US" dirty="0"/>
               <a:pPr/>
-              <a:t>12/13/2020</a:t>
+              <a:t>1/11/2021</a:t>
             </a:fld>
             <a:endParaRPr lang="en-US" dirty="0"/>
           </a:p>
@@ -3351,7 +3652,7 @@
           <a:p>
             <a:fld id="{42A54C80-263E-416B-A8E0-580EDEADCBDC}" type="datetimeFigureOut">
               <a:rPr lang="en-US" dirty="0"/>
-              <a:t>12/13/2020</a:t>
+              <a:t>1/11/2021</a:t>
             </a:fld>
             <a:endParaRPr lang="en-US" dirty="0"/>
           </a:p>
@@ -3396,41 +3697,6 @@
               <a:t>‹#›</a:t>
             </a:fld>
             <a:endParaRPr lang="en-US" dirty="0"/>
-          </a:p>
-        </p:txBody>
-      </p:sp>
-      <p:sp>
-        <p:nvSpPr>
-          <p:cNvPr id="8" name="矩形 7"/>
-          <p:cNvSpPr/>
-          <p:nvPr userDrawn="1"/>
-        </p:nvSpPr>
-        <p:spPr>
-          <a:xfrm>
-            <a:off x="486494" y="6407742"/>
-            <a:ext cx="7189694" cy="584775"/>
-          </a:xfrm>
-          <a:prstGeom prst="rect">
-            <a:avLst/>
-          </a:prstGeom>
-        </p:spPr>
-        <p:txBody>
-          <a:bodyPr wrap="square">
-            <a:spAutoFit/>
-          </a:bodyPr>
-          <a:lstStyle/>
-          <a:p>
-            <a:r>
-              <a:rPr lang="zh-TW" altLang="en-US" sz="1600" dirty="0" smtClean="0"/>
-              <a:t>https://github.com/liulawsi/C_Class_202012/tree/main/Section0</a:t>
-            </a:r>
-            <a:r>
-              <a:rPr lang="en-US" altLang="zh-TW" sz="1600" dirty="0" smtClean="0"/>
-              <a:t>3</a:t>
-            </a:r>
-          </a:p>
-          <a:p>
-            <a:endParaRPr lang="zh-TW" altLang="en-US" sz="1600" dirty="0"/>
           </a:p>
         </p:txBody>
       </p:sp>
@@ -3636,7 +3902,7 @@
             <a:fld id="{B61BEF0D-F0BB-DE4B-95CE-6DB70DBA9567}" type="datetimeFigureOut">
               <a:rPr lang="en-US" dirty="0"/>
               <a:pPr/>
-              <a:t>12/13/2020</a:t>
+              <a:t>1/11/2021</a:t>
             </a:fld>
             <a:endParaRPr lang="en-US" dirty="0"/>
           </a:p>
@@ -3864,7 +4130,7 @@
           <a:p>
             <a:fld id="{42A54C80-263E-416B-A8E0-580EDEADCBDC}" type="datetimeFigureOut">
               <a:rPr lang="en-US" dirty="0"/>
-              <a:t>12/13/2020</a:t>
+              <a:t>1/11/2021</a:t>
             </a:fld>
             <a:endParaRPr lang="en-US" dirty="0"/>
           </a:p>
@@ -4274,7 +4540,7 @@
             <a:fld id="{B61BEF0D-F0BB-DE4B-95CE-6DB70DBA9567}" type="datetimeFigureOut">
               <a:rPr lang="en-US" dirty="0"/>
               <a:pPr/>
-              <a:t>12/13/2020</a:t>
+              <a:t>1/11/2021</a:t>
             </a:fld>
             <a:endParaRPr lang="en-US" dirty="0"/>
           </a:p>
@@ -4433,7 +4699,7 @@
             <a:fld id="{B61BEF0D-F0BB-DE4B-95CE-6DB70DBA9567}" type="datetimeFigureOut">
               <a:rPr lang="en-US" dirty="0"/>
               <a:pPr/>
-              <a:t>12/13/2020</a:t>
+              <a:t>1/11/2021</a:t>
             </a:fld>
             <a:endParaRPr lang="en-US" dirty="0"/>
           </a:p>
@@ -4525,7 +4791,7 @@
             <a:fld id="{B61BEF0D-F0BB-DE4B-95CE-6DB70DBA9567}" type="datetimeFigureOut">
               <a:rPr lang="en-US" dirty="0"/>
               <a:pPr/>
-              <a:t>12/13/2020</a:t>
+              <a:t>1/11/2021</a:t>
             </a:fld>
             <a:endParaRPr lang="en-US" dirty="0"/>
           </a:p>
@@ -4776,7 +5042,7 @@
           <a:p>
             <a:fld id="{42A54C80-263E-416B-A8E0-580EDEADCBDC}" type="datetimeFigureOut">
               <a:rPr lang="en-US" dirty="0"/>
-              <a:t>12/13/2020</a:t>
+              <a:t>1/11/2021</a:t>
             </a:fld>
             <a:endParaRPr lang="en-US" dirty="0"/>
           </a:p>
@@ -5078,7 +5344,7 @@
             <a:fld id="{B61BEF0D-F0BB-DE4B-95CE-6DB70DBA9567}" type="datetimeFigureOut">
               <a:rPr lang="en-US" dirty="0"/>
               <a:pPr/>
-              <a:t>12/13/2020</a:t>
+              <a:t>1/11/2021</a:t>
             </a:fld>
             <a:endParaRPr lang="en-US" dirty="0"/>
           </a:p>
@@ -5776,7 +6042,7 @@
             <a:fld id="{B61BEF0D-F0BB-DE4B-95CE-6DB70DBA9567}" type="datetimeFigureOut">
               <a:rPr lang="en-US" dirty="0"/>
               <a:pPr/>
-              <a:t>12/13/2020</a:t>
+              <a:t>1/11/2021</a:t>
             </a:fld>
             <a:endParaRPr lang="en-US" dirty="0"/>
           </a:p>
@@ -5859,6 +6125,188 @@
           </a:p>
         </p:txBody>
       </p:sp>
+      <p:sp>
+        <p:nvSpPr>
+          <p:cNvPr id="18" name="矩形 17"/>
+          <p:cNvSpPr/>
+          <p:nvPr userDrawn="1"/>
+        </p:nvSpPr>
+        <p:spPr>
+          <a:xfrm>
+            <a:off x="486494" y="6407742"/>
+            <a:ext cx="7189694" cy="338554"/>
+          </a:xfrm>
+          <a:prstGeom prst="rect">
+            <a:avLst/>
+          </a:prstGeom>
+        </p:spPr>
+        <p:txBody>
+          <a:bodyPr wrap="square">
+            <a:spAutoFit/>
+          </a:bodyPr>
+          <a:lstStyle/>
+          <a:p>
+            <a:r>
+              <a:rPr lang="zh-TW" altLang="en-US" sz="1600" dirty="0" smtClean="0"/>
+              <a:t>https://github.com/liulawsi/C_Class_202012/tree/main/Section0</a:t>
+            </a:r>
+            <a:r>
+              <a:rPr lang="en-US" altLang="zh-TW" sz="1600" dirty="0" smtClean="0"/>
+              <a:t>3</a:t>
+            </a:r>
+            <a:endParaRPr lang="zh-TW" altLang="en-US" sz="1600" dirty="0"/>
+          </a:p>
+        </p:txBody>
+      </p:sp>
+      <p:grpSp>
+        <p:nvGrpSpPr>
+          <p:cNvPr id="29" name="群組 28"/>
+          <p:cNvGrpSpPr/>
+          <p:nvPr userDrawn="1"/>
+        </p:nvGrpSpPr>
+        <p:grpSpPr>
+          <a:xfrm>
+            <a:off x="121259" y="81553"/>
+            <a:ext cx="556075" cy="528048"/>
+            <a:chOff x="1173311" y="676438"/>
+            <a:chExt cx="1463040" cy="1262399"/>
+          </a:xfrm>
+        </p:grpSpPr>
+        <p:sp>
+          <p:nvSpPr>
+            <p:cNvPr id="30" name="六邊形 29"/>
+            <p:cNvSpPr/>
+            <p:nvPr/>
+          </p:nvSpPr>
+          <p:spPr>
+            <a:xfrm>
+              <a:off x="1173311" y="676438"/>
+              <a:ext cx="1463040" cy="1262399"/>
+            </a:xfrm>
+            <a:prstGeom prst="hexagon">
+              <a:avLst/>
+            </a:prstGeom>
+            <a:gradFill flip="none" rotWithShape="1">
+              <a:gsLst>
+                <a:gs pos="0">
+                  <a:schemeClr val="accent2">
+                    <a:lumMod val="60000"/>
+                    <a:lumOff val="40000"/>
+                  </a:schemeClr>
+                </a:gs>
+                <a:gs pos="44000">
+                  <a:schemeClr val="accent2">
+                    <a:lumMod val="89000"/>
+                  </a:schemeClr>
+                </a:gs>
+                <a:gs pos="74000">
+                  <a:schemeClr val="accent2">
+                    <a:lumMod val="75000"/>
+                  </a:schemeClr>
+                </a:gs>
+                <a:gs pos="97000">
+                  <a:schemeClr val="accent2">
+                    <a:lumMod val="70000"/>
+                  </a:schemeClr>
+                </a:gs>
+              </a:gsLst>
+              <a:path path="circle">
+                <a:fillToRect l="50000" t="50000" r="50000" b="50000"/>
+              </a:path>
+              <a:tileRect/>
+            </a:gradFill>
+            <a:ln>
+              <a:noFill/>
+            </a:ln>
+          </p:spPr>
+          <p:style>
+            <a:lnRef idx="2">
+              <a:schemeClr val="accent1">
+                <a:shade val="50000"/>
+              </a:schemeClr>
+            </a:lnRef>
+            <a:fillRef idx="1">
+              <a:schemeClr val="accent1"/>
+            </a:fillRef>
+            <a:effectRef idx="0">
+              <a:schemeClr val="accent1"/>
+            </a:effectRef>
+            <a:fontRef idx="minor">
+              <a:schemeClr val="lt1"/>
+            </a:fontRef>
+          </p:style>
+          <p:txBody>
+            <a:bodyPr rtlCol="0" anchor="ctr"/>
+            <a:lstStyle/>
+            <a:p>
+              <a:pPr algn="ctr"/>
+              <a:endParaRPr lang="zh-TW" altLang="en-US"/>
+            </a:p>
+          </p:txBody>
+        </p:sp>
+        <p:sp>
+          <p:nvSpPr>
+            <p:cNvPr id="31" name="拱形 30"/>
+            <p:cNvSpPr/>
+            <p:nvPr/>
+          </p:nvSpPr>
+          <p:spPr>
+            <a:xfrm>
+              <a:off x="1507067" y="768142"/>
+              <a:ext cx="795528" cy="1078992"/>
+            </a:xfrm>
+            <a:prstGeom prst="blockArc">
+              <a:avLst>
+                <a:gd name="adj1" fmla="val 1897355"/>
+                <a:gd name="adj2" fmla="val 19280511"/>
+                <a:gd name="adj3" fmla="val 24604"/>
+              </a:avLst>
+            </a:prstGeom>
+            <a:solidFill>
+              <a:schemeClr val="accent5">
+                <a:lumMod val="60000"/>
+                <a:lumOff val="40000"/>
+              </a:schemeClr>
+            </a:solidFill>
+            <a:ln>
+              <a:solidFill>
+                <a:schemeClr val="accent5">
+                  <a:lumMod val="60000"/>
+                  <a:lumOff val="40000"/>
+                </a:schemeClr>
+              </a:solidFill>
+            </a:ln>
+          </p:spPr>
+          <p:style>
+            <a:lnRef idx="2">
+              <a:schemeClr val="accent1">
+                <a:shade val="50000"/>
+              </a:schemeClr>
+            </a:lnRef>
+            <a:fillRef idx="1">
+              <a:schemeClr val="accent1"/>
+            </a:fillRef>
+            <a:effectRef idx="0">
+              <a:schemeClr val="accent1"/>
+            </a:effectRef>
+            <a:fontRef idx="minor">
+              <a:schemeClr val="lt1"/>
+            </a:fontRef>
+          </p:style>
+          <p:txBody>
+            <a:bodyPr rtlCol="0" anchor="ctr"/>
+            <a:lstStyle/>
+            <a:p>
+              <a:pPr algn="ctr"/>
+              <a:endParaRPr lang="zh-TW" altLang="en-US">
+                <a:solidFill>
+                  <a:schemeClr val="tx1"/>
+                </a:solidFill>
+              </a:endParaRPr>
+            </a:p>
+          </p:txBody>
+        </p:sp>
+      </p:grpSp>
     </p:spTree>
   </p:cSld>
   <p:clrMap bg1="lt1" tx1="dk1" bg2="lt2" tx2="dk2" accent1="accent1" accent2="accent2" accent3="accent3" accent4="accent4" accent5="accent5" accent6="accent6" hlink="hlink" folHlink="folHlink"/>
@@ -6317,11 +6765,7 @@
           <a:p>
             <a:r>
               <a:rPr lang="zh-TW" altLang="en-US" dirty="0" smtClean="0"/>
-              <a:t>迴圈</a:t>
-            </a:r>
-            <a:r>
-              <a:rPr lang="zh-TW" altLang="en-US" dirty="0" smtClean="0"/>
-              <a:t>大法</a:t>
+              <a:t>迴圈大法</a:t>
             </a:r>
             <a:r>
               <a:rPr lang="en-US" altLang="zh-TW" dirty="0" smtClean="0"/>
@@ -6332,17 +6776,12 @@
             </a:br>
             <a:r>
               <a:rPr lang="zh-TW" altLang="en-US" dirty="0" smtClean="0"/>
-              <a:t>啊！</a:t>
-            </a:r>
-            <a:r>
-              <a:rPr lang="zh-TW" altLang="en-US" dirty="0" smtClean="0"/>
-              <a:t>鬼</a:t>
+              <a:t>啊！鬼</a:t>
             </a:r>
             <a:r>
               <a:rPr lang="zh-TW" altLang="en-US" dirty="0"/>
               <a:t>打牆了！</a:t>
             </a:r>
-            <a:endParaRPr lang="zh-TW" altLang="en-US" dirty="0"/>
           </a:p>
         </p:txBody>
       </p:sp>
@@ -6371,7 +6810,7 @@
             <a:fld id="{4805910D-2C61-424F-80CE-807290CF0E1E}" type="datetime4">
               <a:rPr lang="zh-TW" altLang="zh-TW"/>
               <a:pPr/>
-              <a:t>109年12月13日星期日</a:t>
+              <a:t>110年1月11日星期一</a:t>
             </a:fld>
             <a:endParaRPr lang="zh-TW" altLang="en-US" dirty="0"/>
           </a:p>
@@ -7654,15 +8093,7 @@
                   <a:srgbClr val="C00000"/>
                 </a:solidFill>
               </a:rPr>
-              <a:t>F</a:t>
-            </a:r>
-            <a:r>
-              <a:rPr lang="en-US" altLang="zh-TW" dirty="0" smtClean="0">
-                <a:solidFill>
-                  <a:srgbClr val="C00000"/>
-                </a:solidFill>
-              </a:rPr>
-              <a:t>actorial</a:t>
+              <a:t>Factorial</a:t>
             </a:r>
             <a:endParaRPr lang="zh-TW" altLang="en-US" dirty="0">
               <a:solidFill>
@@ -11037,7 +11468,6 @@
               <a:rPr lang="en-US" altLang="zh-TW" dirty="0" smtClean="0"/>
               <a:t>)</a:t>
             </a:r>
-            <a:endParaRPr lang="en-US" altLang="zh-TW" dirty="0" smtClean="0"/>
           </a:p>
           <a:p>
             <a:endParaRPr lang="en-US" altLang="zh-TW" dirty="0"/>
@@ -18940,15 +19370,7 @@
                   <a:srgbClr val="FF0000"/>
                 </a:solidFill>
               </a:rPr>
-              <a:t>就結束程式</a:t>
-            </a:r>
-            <a:r>
-              <a:rPr lang="zh-TW" altLang="en-US" b="1" dirty="0" smtClean="0">
-                <a:solidFill>
-                  <a:srgbClr val="FF0000"/>
-                </a:solidFill>
-              </a:rPr>
-              <a:t>！不用</a:t>
+              <a:t>就結束程式！不用</a:t>
             </a:r>
             <a:r>
               <a:rPr lang="en-US" altLang="zh-TW" b="1" dirty="0" smtClean="0">
@@ -20770,11 +21192,7 @@
             </a:r>
             <a:r>
               <a:rPr lang="zh-TW" altLang="en-US" dirty="0" smtClean="0"/>
-              <a:t>所有</a:t>
-            </a:r>
-            <a:r>
-              <a:rPr lang="zh-TW" altLang="en-US" dirty="0" smtClean="0"/>
-              <a:t>質因數</a:t>
+              <a:t>所有質因數</a:t>
             </a:r>
             <a:r>
               <a:rPr lang="en-US" altLang="zh-TW" dirty="0" smtClean="0"/>
@@ -21748,6 +22166,2521 @@
       </p:par>
     </p:tnLst>
   </p:timing>
+</p:sld>
+</file>
+
+<file path=ppt/slides/slide33.xml><?xml version="1.0" encoding="utf-8"?>
+<p:sld xmlns:a="http://schemas.openxmlformats.org/drawingml/2006/main" xmlns:r="http://schemas.openxmlformats.org/officeDocument/2006/relationships" xmlns:p="http://schemas.openxmlformats.org/presentationml/2006/main">
+  <p:cSld>
+    <p:spTree>
+      <p:nvGrpSpPr>
+        <p:cNvPr id="1" name=""/>
+        <p:cNvGrpSpPr/>
+        <p:nvPr/>
+      </p:nvGrpSpPr>
+      <p:grpSpPr>
+        <a:xfrm>
+          <a:off x="0" y="0"/>
+          <a:ext cx="0" cy="0"/>
+          <a:chOff x="0" y="0"/>
+          <a:chExt cx="0" cy="0"/>
+        </a:xfrm>
+      </p:grpSpPr>
+      <p:sp>
+        <p:nvSpPr>
+          <p:cNvPr id="6" name="標題 5"/>
+          <p:cNvSpPr>
+            <a:spLocks noGrp="1"/>
+          </p:cNvSpPr>
+          <p:nvPr>
+            <p:ph type="title"/>
+          </p:nvPr>
+        </p:nvSpPr>
+        <p:spPr/>
+        <p:txBody>
+          <a:bodyPr/>
+          <a:lstStyle/>
+          <a:p>
+            <a:r>
+              <a:rPr lang="en-US" altLang="zh-TW" dirty="0" smtClean="0"/>
+              <a:t>break</a:t>
+            </a:r>
+            <a:r>
+              <a:rPr lang="zh-TW" altLang="en-US" dirty="0" smtClean="0"/>
+              <a:t>與</a:t>
+            </a:r>
+            <a:r>
+              <a:rPr lang="en-US" altLang="zh-TW" dirty="0" smtClean="0"/>
+              <a:t>continue</a:t>
+            </a:r>
+            <a:endParaRPr lang="zh-TW" altLang="en-US" dirty="0"/>
+          </a:p>
+        </p:txBody>
+      </p:sp>
+      <p:sp>
+        <p:nvSpPr>
+          <p:cNvPr id="7" name="文字版面配置區 6"/>
+          <p:cNvSpPr>
+            <a:spLocks noGrp="1"/>
+          </p:cNvSpPr>
+          <p:nvPr>
+            <p:ph type="body" idx="1"/>
+          </p:nvPr>
+        </p:nvSpPr>
+        <p:spPr/>
+        <p:txBody>
+          <a:bodyPr/>
+          <a:lstStyle/>
+          <a:p>
+            <a:r>
+              <a:rPr lang="zh-TW" altLang="en-US" dirty="0" smtClean="0"/>
+              <a:t>跳出與重來</a:t>
+            </a:r>
+            <a:endParaRPr lang="zh-TW" altLang="en-US" dirty="0"/>
+          </a:p>
+        </p:txBody>
+      </p:sp>
+    </p:spTree>
+    <p:extLst>
+      <p:ext uri="{BB962C8B-B14F-4D97-AF65-F5344CB8AC3E}">
+        <p14:creationId xmlns:p14="http://schemas.microsoft.com/office/powerpoint/2010/main" val="3421846392"/>
+      </p:ext>
+    </p:extLst>
+  </p:cSld>
+  <p:clrMapOvr>
+    <a:masterClrMapping/>
+  </p:clrMapOvr>
+</p:sld>
+</file>
+
+<file path=ppt/slides/slide34.xml><?xml version="1.0" encoding="utf-8"?>
+<p:sld xmlns:a="http://schemas.openxmlformats.org/drawingml/2006/main" xmlns:r="http://schemas.openxmlformats.org/officeDocument/2006/relationships" xmlns:p="http://schemas.openxmlformats.org/presentationml/2006/main">
+  <p:cSld>
+    <p:spTree>
+      <p:nvGrpSpPr>
+        <p:cNvPr id="1" name=""/>
+        <p:cNvGrpSpPr/>
+        <p:nvPr/>
+      </p:nvGrpSpPr>
+      <p:grpSpPr>
+        <a:xfrm>
+          <a:off x="0" y="0"/>
+          <a:ext cx="0" cy="0"/>
+          <a:chOff x="0" y="0"/>
+          <a:chExt cx="0" cy="0"/>
+        </a:xfrm>
+      </p:grpSpPr>
+      <p:sp>
+        <p:nvSpPr>
+          <p:cNvPr id="2" name="標題 1"/>
+          <p:cNvSpPr>
+            <a:spLocks noGrp="1"/>
+          </p:cNvSpPr>
+          <p:nvPr>
+            <p:ph type="title"/>
+          </p:nvPr>
+        </p:nvSpPr>
+        <p:spPr/>
+        <p:txBody>
+          <a:bodyPr/>
+          <a:lstStyle/>
+          <a:p>
+            <a:r>
+              <a:rPr lang="en-US" altLang="zh-TW" dirty="0" smtClean="0"/>
+              <a:t>break</a:t>
+            </a:r>
+            <a:r>
+              <a:rPr lang="zh-TW" altLang="en-US" dirty="0" smtClean="0"/>
+              <a:t>中斷，停止</a:t>
+            </a:r>
+            <a:endParaRPr lang="zh-TW" altLang="en-US" dirty="0"/>
+          </a:p>
+        </p:txBody>
+      </p:sp>
+      <p:sp>
+        <p:nvSpPr>
+          <p:cNvPr id="3" name="內容版面配置區 2"/>
+          <p:cNvSpPr>
+            <a:spLocks noGrp="1"/>
+          </p:cNvSpPr>
+          <p:nvPr>
+            <p:ph idx="1"/>
+          </p:nvPr>
+        </p:nvSpPr>
+        <p:spPr>
+          <a:xfrm>
+            <a:off x="677334" y="2160589"/>
+            <a:ext cx="5735430" cy="3880773"/>
+          </a:xfrm>
+        </p:spPr>
+        <p:txBody>
+          <a:bodyPr/>
+          <a:lstStyle/>
+          <a:p>
+            <a:r>
+              <a:rPr lang="en-US" altLang="zh-TW" dirty="0" smtClean="0"/>
+              <a:t>break</a:t>
+            </a:r>
+            <a:r>
+              <a:rPr lang="zh-TW" altLang="en-US" dirty="0" smtClean="0"/>
+              <a:t>的指令是停止目前迴圈</a:t>
+            </a:r>
+            <a:r>
+              <a:rPr lang="en-US" altLang="zh-TW" dirty="0" smtClean="0"/>
+              <a:t>(</a:t>
+            </a:r>
+            <a:r>
+              <a:rPr lang="zh-TW" altLang="en-US" dirty="0" smtClean="0"/>
+              <a:t>包含</a:t>
+            </a:r>
+            <a:r>
+              <a:rPr lang="en-US" altLang="zh-TW" dirty="0" err="1" smtClean="0"/>
+              <a:t>for,while</a:t>
+            </a:r>
+            <a:r>
+              <a:rPr lang="zh-TW" altLang="en-US" dirty="0" smtClean="0"/>
+              <a:t>迴圈</a:t>
+            </a:r>
+            <a:r>
+              <a:rPr lang="en-US" altLang="zh-TW" dirty="0" smtClean="0"/>
+              <a:t>)</a:t>
+            </a:r>
+          </a:p>
+          <a:p>
+            <a:r>
+              <a:rPr lang="zh-TW" altLang="en-US" dirty="0" smtClean="0"/>
+              <a:t>在</a:t>
+            </a:r>
+            <a:r>
+              <a:rPr lang="en-US" altLang="zh-TW" dirty="0" smtClean="0"/>
+              <a:t>for</a:t>
+            </a:r>
+            <a:r>
+              <a:rPr lang="zh-TW" altLang="en-US" dirty="0" smtClean="0"/>
+              <a:t>迴圈或是</a:t>
+            </a:r>
+            <a:r>
+              <a:rPr lang="en-US" altLang="zh-TW" dirty="0" smtClean="0"/>
+              <a:t>while</a:t>
+            </a:r>
+            <a:r>
+              <a:rPr lang="zh-TW" altLang="en-US" dirty="0" smtClean="0"/>
+              <a:t>迴圈中，只要執行到</a:t>
+            </a:r>
+            <a:r>
+              <a:rPr lang="en-US" altLang="zh-TW" dirty="0" smtClean="0"/>
+              <a:t>break</a:t>
+            </a:r>
+            <a:r>
+              <a:rPr lang="zh-TW" altLang="en-US" dirty="0" smtClean="0"/>
+              <a:t>指令，就會強制立即結束目前迴圈，如右圖的流程圖。</a:t>
+            </a:r>
+            <a:endParaRPr lang="en-US" altLang="zh-TW" dirty="0" smtClean="0"/>
+          </a:p>
+          <a:p>
+            <a:r>
+              <a:rPr lang="zh-TW" altLang="en-US" dirty="0" smtClean="0"/>
+              <a:t>通常會用</a:t>
+            </a:r>
+            <a:r>
+              <a:rPr lang="zh-TW" altLang="en-US" dirty="0"/>
+              <a:t>在迴圈中做特殊狀況</a:t>
+            </a:r>
+            <a:r>
+              <a:rPr lang="zh-TW" altLang="en-US" dirty="0" smtClean="0"/>
+              <a:t>檢測。</a:t>
+            </a:r>
+            <a:endParaRPr lang="zh-TW" altLang="en-US" dirty="0"/>
+          </a:p>
+        </p:txBody>
+      </p:sp>
+      <p:sp>
+        <p:nvSpPr>
+          <p:cNvPr id="41" name="圓角矩形 40"/>
+          <p:cNvSpPr/>
+          <p:nvPr/>
+        </p:nvSpPr>
+        <p:spPr>
+          <a:xfrm>
+            <a:off x="6370894" y="1256986"/>
+            <a:ext cx="1143000" cy="392176"/>
+          </a:xfrm>
+          <a:prstGeom prst="roundRect">
+            <a:avLst>
+              <a:gd name="adj" fmla="val 50000"/>
+            </a:avLst>
+          </a:prstGeom>
+          <a:solidFill>
+            <a:schemeClr val="bg1"/>
+          </a:solidFill>
+          <a:ln>
+            <a:solidFill>
+              <a:schemeClr val="tx1"/>
+            </a:solidFill>
+          </a:ln>
+        </p:spPr>
+        <p:style>
+          <a:lnRef idx="2">
+            <a:schemeClr val="accent1">
+              <a:shade val="50000"/>
+            </a:schemeClr>
+          </a:lnRef>
+          <a:fillRef idx="1">
+            <a:schemeClr val="accent1"/>
+          </a:fillRef>
+          <a:effectRef idx="0">
+            <a:schemeClr val="accent1"/>
+          </a:effectRef>
+          <a:fontRef idx="minor">
+            <a:schemeClr val="lt1"/>
+          </a:fontRef>
+        </p:style>
+        <p:txBody>
+          <a:bodyPr rtlCol="0" anchor="ctr"/>
+          <a:lstStyle/>
+          <a:p>
+            <a:pPr algn="ctr"/>
+            <a:r>
+              <a:rPr lang="zh-TW" altLang="en-US" sz="1400" dirty="0">
+                <a:solidFill>
+                  <a:schemeClr val="tx1"/>
+                </a:solidFill>
+              </a:rPr>
+              <a:t>迴圈開始</a:t>
+            </a:r>
+          </a:p>
+        </p:txBody>
+      </p:sp>
+      <p:cxnSp>
+        <p:nvCxnSpPr>
+          <p:cNvPr id="42" name="直線單箭頭接點 41"/>
+          <p:cNvCxnSpPr>
+            <a:stCxn id="41" idx="2"/>
+            <a:endCxn id="52" idx="0"/>
+          </p:cNvCxnSpPr>
+          <p:nvPr/>
+        </p:nvCxnSpPr>
+        <p:spPr>
+          <a:xfrm>
+            <a:off x="6942394" y="1649162"/>
+            <a:ext cx="0" cy="365061"/>
+          </a:xfrm>
+          <a:prstGeom prst="straightConnector1">
+            <a:avLst/>
+          </a:prstGeom>
+          <a:ln w="28575">
+            <a:solidFill>
+              <a:schemeClr val="tx1"/>
+            </a:solidFill>
+            <a:headEnd type="none" w="med" len="med"/>
+            <a:tailEnd type="triangle" w="med" len="med"/>
+          </a:ln>
+        </p:spPr>
+        <p:style>
+          <a:lnRef idx="1">
+            <a:schemeClr val="accent1"/>
+          </a:lnRef>
+          <a:fillRef idx="0">
+            <a:schemeClr val="accent1"/>
+          </a:fillRef>
+          <a:effectRef idx="0">
+            <a:schemeClr val="accent1"/>
+          </a:effectRef>
+          <a:fontRef idx="minor">
+            <a:schemeClr val="tx1"/>
+          </a:fontRef>
+        </p:style>
+      </p:cxnSp>
+      <p:cxnSp>
+        <p:nvCxnSpPr>
+          <p:cNvPr id="44" name="直線單箭頭接點 43"/>
+          <p:cNvCxnSpPr>
+            <a:stCxn id="46" idx="2"/>
+            <a:endCxn id="45" idx="0"/>
+          </p:cNvCxnSpPr>
+          <p:nvPr/>
+        </p:nvCxnSpPr>
+        <p:spPr>
+          <a:xfrm>
+            <a:off x="6942393" y="5360556"/>
+            <a:ext cx="1" cy="650064"/>
+          </a:xfrm>
+          <a:prstGeom prst="straightConnector1">
+            <a:avLst/>
+          </a:prstGeom>
+          <a:ln w="28575">
+            <a:solidFill>
+              <a:schemeClr val="tx1"/>
+            </a:solidFill>
+            <a:headEnd type="none" w="med" len="med"/>
+            <a:tailEnd type="triangle" w="med" len="med"/>
+          </a:ln>
+        </p:spPr>
+        <p:style>
+          <a:lnRef idx="1">
+            <a:schemeClr val="accent1"/>
+          </a:lnRef>
+          <a:fillRef idx="0">
+            <a:schemeClr val="accent1"/>
+          </a:fillRef>
+          <a:effectRef idx="0">
+            <a:schemeClr val="accent1"/>
+          </a:effectRef>
+          <a:fontRef idx="minor">
+            <a:schemeClr val="tx1"/>
+          </a:fontRef>
+        </p:style>
+      </p:cxnSp>
+      <p:sp>
+        <p:nvSpPr>
+          <p:cNvPr id="45" name="圓角矩形 44"/>
+          <p:cNvSpPr/>
+          <p:nvPr/>
+        </p:nvSpPr>
+        <p:spPr>
+          <a:xfrm>
+            <a:off x="6370894" y="6010620"/>
+            <a:ext cx="1143000" cy="392176"/>
+          </a:xfrm>
+          <a:prstGeom prst="roundRect">
+            <a:avLst>
+              <a:gd name="adj" fmla="val 50000"/>
+            </a:avLst>
+          </a:prstGeom>
+          <a:solidFill>
+            <a:schemeClr val="bg1"/>
+          </a:solidFill>
+          <a:ln>
+            <a:solidFill>
+              <a:schemeClr val="tx1"/>
+            </a:solidFill>
+          </a:ln>
+        </p:spPr>
+        <p:style>
+          <a:lnRef idx="2">
+            <a:schemeClr val="accent1">
+              <a:shade val="50000"/>
+            </a:schemeClr>
+          </a:lnRef>
+          <a:fillRef idx="1">
+            <a:schemeClr val="accent1"/>
+          </a:fillRef>
+          <a:effectRef idx="0">
+            <a:schemeClr val="accent1"/>
+          </a:effectRef>
+          <a:fontRef idx="minor">
+            <a:schemeClr val="lt1"/>
+          </a:fontRef>
+        </p:style>
+        <p:txBody>
+          <a:bodyPr rtlCol="0" anchor="ctr"/>
+          <a:lstStyle/>
+          <a:p>
+            <a:pPr algn="ctr"/>
+            <a:r>
+              <a:rPr lang="zh-TW" altLang="en-US" sz="1400" dirty="0">
+                <a:solidFill>
+                  <a:schemeClr val="tx1"/>
+                </a:solidFill>
+              </a:rPr>
+              <a:t>迴圈結束</a:t>
+            </a:r>
+          </a:p>
+        </p:txBody>
+      </p:sp>
+      <p:sp>
+        <p:nvSpPr>
+          <p:cNvPr id="46" name="菱形 45"/>
+          <p:cNvSpPr/>
+          <p:nvPr/>
+        </p:nvSpPr>
+        <p:spPr>
+          <a:xfrm>
+            <a:off x="5928458" y="4496590"/>
+            <a:ext cx="2027870" cy="863966"/>
+          </a:xfrm>
+          <a:prstGeom prst="diamond">
+            <a:avLst/>
+          </a:prstGeom>
+          <a:solidFill>
+            <a:schemeClr val="bg1"/>
+          </a:solidFill>
+          <a:ln w="38100">
+            <a:solidFill>
+              <a:schemeClr val="tx1"/>
+            </a:solidFill>
+          </a:ln>
+        </p:spPr>
+        <p:style>
+          <a:lnRef idx="2">
+            <a:schemeClr val="accent1">
+              <a:shade val="50000"/>
+            </a:schemeClr>
+          </a:lnRef>
+          <a:fillRef idx="1">
+            <a:schemeClr val="accent1"/>
+          </a:fillRef>
+          <a:effectRef idx="0">
+            <a:schemeClr val="accent1"/>
+          </a:effectRef>
+          <a:fontRef idx="minor">
+            <a:schemeClr val="lt1"/>
+          </a:fontRef>
+        </p:style>
+        <p:txBody>
+          <a:bodyPr rtlCol="0" anchor="ctr"/>
+          <a:lstStyle/>
+          <a:p>
+            <a:pPr algn="ctr"/>
+            <a:r>
+              <a:rPr lang="zh-TW" altLang="en-US" sz="1400" dirty="0" smtClean="0">
+                <a:solidFill>
+                  <a:schemeClr val="tx1"/>
+                </a:solidFill>
+              </a:rPr>
+              <a:t>執行條件</a:t>
+            </a:r>
+            <a:endParaRPr lang="zh-TW" altLang="en-US" sz="1400" dirty="0">
+              <a:solidFill>
+                <a:schemeClr val="tx1"/>
+              </a:solidFill>
+            </a:endParaRPr>
+          </a:p>
+        </p:txBody>
+      </p:sp>
+      <p:cxnSp>
+        <p:nvCxnSpPr>
+          <p:cNvPr id="47" name="肘形接點 46"/>
+          <p:cNvCxnSpPr>
+            <a:stCxn id="57" idx="3"/>
+            <a:endCxn id="45" idx="3"/>
+          </p:cNvCxnSpPr>
+          <p:nvPr/>
+        </p:nvCxnSpPr>
+        <p:spPr>
+          <a:xfrm flipH="1">
+            <a:off x="7513894" y="3983368"/>
+            <a:ext cx="3212942" cy="2223340"/>
+          </a:xfrm>
+          <a:prstGeom prst="bentConnector3">
+            <a:avLst>
+              <a:gd name="adj1" fmla="val -14230"/>
+            </a:avLst>
+          </a:prstGeom>
+          <a:ln w="38100">
+            <a:solidFill>
+              <a:srgbClr val="FF0000"/>
+            </a:solidFill>
+            <a:tailEnd type="triangle"/>
+          </a:ln>
+        </p:spPr>
+        <p:style>
+          <a:lnRef idx="1">
+            <a:schemeClr val="accent1"/>
+          </a:lnRef>
+          <a:fillRef idx="0">
+            <a:schemeClr val="accent1"/>
+          </a:fillRef>
+          <a:effectRef idx="0">
+            <a:schemeClr val="accent1"/>
+          </a:effectRef>
+          <a:fontRef idx="minor">
+            <a:schemeClr val="tx1"/>
+          </a:fontRef>
+        </p:style>
+      </p:cxnSp>
+      <p:sp>
+        <p:nvSpPr>
+          <p:cNvPr id="48" name="文字方塊 47"/>
+          <p:cNvSpPr txBox="1"/>
+          <p:nvPr/>
+        </p:nvSpPr>
+        <p:spPr>
+          <a:xfrm>
+            <a:off x="8158546" y="4544846"/>
+            <a:ext cx="535211" cy="307777"/>
+          </a:xfrm>
+          <a:prstGeom prst="rect">
+            <a:avLst/>
+          </a:prstGeom>
+          <a:noFill/>
+        </p:spPr>
+        <p:txBody>
+          <a:bodyPr wrap="none" rtlCol="0">
+            <a:spAutoFit/>
+          </a:bodyPr>
+          <a:lstStyle/>
+          <a:p>
+            <a:r>
+              <a:rPr lang="en-US" altLang="zh-TW" sz="1400" dirty="0" smtClean="0"/>
+              <a:t>True</a:t>
+            </a:r>
+            <a:endParaRPr lang="zh-TW" altLang="en-US" sz="1400" dirty="0"/>
+          </a:p>
+        </p:txBody>
+      </p:sp>
+      <p:sp>
+        <p:nvSpPr>
+          <p:cNvPr id="49" name="文字方塊 48"/>
+          <p:cNvSpPr txBox="1"/>
+          <p:nvPr/>
+        </p:nvSpPr>
+        <p:spPr>
+          <a:xfrm>
+            <a:off x="9083301" y="3220084"/>
+            <a:ext cx="671979" cy="338554"/>
+          </a:xfrm>
+          <a:prstGeom prst="rect">
+            <a:avLst/>
+          </a:prstGeom>
+          <a:noFill/>
+        </p:spPr>
+        <p:txBody>
+          <a:bodyPr wrap="none" rtlCol="0">
+            <a:spAutoFit/>
+          </a:bodyPr>
+          <a:lstStyle/>
+          <a:p>
+            <a:r>
+              <a:rPr lang="en-US" altLang="zh-TW" sz="1600" b="1" dirty="0" smtClean="0">
+                <a:solidFill>
+                  <a:srgbClr val="FF0000"/>
+                </a:solidFill>
+              </a:rPr>
+              <a:t>False</a:t>
+            </a:r>
+            <a:endParaRPr lang="zh-TW" altLang="en-US" sz="1600" b="1" dirty="0">
+              <a:solidFill>
+                <a:srgbClr val="FF0000"/>
+              </a:solidFill>
+            </a:endParaRPr>
+          </a:p>
+        </p:txBody>
+      </p:sp>
+      <p:sp>
+        <p:nvSpPr>
+          <p:cNvPr id="50" name="矩形 49"/>
+          <p:cNvSpPr/>
+          <p:nvPr/>
+        </p:nvSpPr>
+        <p:spPr>
+          <a:xfrm>
+            <a:off x="9229911" y="4684139"/>
+            <a:ext cx="980067" cy="551596"/>
+          </a:xfrm>
+          <a:prstGeom prst="rect">
+            <a:avLst/>
+          </a:prstGeom>
+          <a:solidFill>
+            <a:schemeClr val="bg1"/>
+          </a:solidFill>
+          <a:ln w="38100">
+            <a:solidFill>
+              <a:schemeClr val="tx1"/>
+            </a:solidFill>
+          </a:ln>
+        </p:spPr>
+        <p:style>
+          <a:lnRef idx="2">
+            <a:schemeClr val="accent1">
+              <a:shade val="50000"/>
+            </a:schemeClr>
+          </a:lnRef>
+          <a:fillRef idx="1">
+            <a:schemeClr val="accent1"/>
+          </a:fillRef>
+          <a:effectRef idx="0">
+            <a:schemeClr val="accent1"/>
+          </a:effectRef>
+          <a:fontRef idx="minor">
+            <a:schemeClr val="lt1"/>
+          </a:fontRef>
+        </p:style>
+        <p:txBody>
+          <a:bodyPr rtlCol="0" anchor="ctr"/>
+          <a:lstStyle/>
+          <a:p>
+            <a:pPr algn="ctr"/>
+            <a:r>
+              <a:rPr lang="zh-TW" altLang="en-US" sz="1400" dirty="0" smtClean="0">
+                <a:solidFill>
+                  <a:schemeClr val="tx1"/>
+                </a:solidFill>
+              </a:rPr>
+              <a:t>程式區塊</a:t>
+            </a:r>
+            <a:r>
+              <a:rPr lang="en-US" altLang="zh-TW" sz="1400" dirty="0" smtClean="0">
+                <a:solidFill>
+                  <a:schemeClr val="tx1"/>
+                </a:solidFill>
+              </a:rPr>
+              <a:t>(1)</a:t>
+            </a:r>
+            <a:endParaRPr lang="zh-TW" altLang="en-US" sz="1400" dirty="0">
+              <a:solidFill>
+                <a:schemeClr val="tx1"/>
+              </a:solidFill>
+            </a:endParaRPr>
+          </a:p>
+        </p:txBody>
+      </p:sp>
+      <p:cxnSp>
+        <p:nvCxnSpPr>
+          <p:cNvPr id="51" name="直線單箭頭接點 50"/>
+          <p:cNvCxnSpPr>
+            <a:stCxn id="46" idx="3"/>
+            <a:endCxn id="50" idx="1"/>
+          </p:cNvCxnSpPr>
+          <p:nvPr/>
+        </p:nvCxnSpPr>
+        <p:spPr>
+          <a:xfrm>
+            <a:off x="7956328" y="4928573"/>
+            <a:ext cx="1273583" cy="31364"/>
+          </a:xfrm>
+          <a:prstGeom prst="straightConnector1">
+            <a:avLst/>
+          </a:prstGeom>
+          <a:ln w="28575">
+            <a:solidFill>
+              <a:schemeClr val="tx1"/>
+            </a:solidFill>
+            <a:headEnd type="none" w="med" len="med"/>
+            <a:tailEnd type="triangle" w="med" len="med"/>
+          </a:ln>
+        </p:spPr>
+        <p:style>
+          <a:lnRef idx="1">
+            <a:schemeClr val="accent1"/>
+          </a:lnRef>
+          <a:fillRef idx="0">
+            <a:schemeClr val="accent1"/>
+          </a:fillRef>
+          <a:effectRef idx="0">
+            <a:schemeClr val="accent1"/>
+          </a:effectRef>
+          <a:fontRef idx="minor">
+            <a:schemeClr val="tx1"/>
+          </a:fontRef>
+        </p:style>
+      </p:cxnSp>
+      <p:sp>
+        <p:nvSpPr>
+          <p:cNvPr id="52" name="矩形 51"/>
+          <p:cNvSpPr/>
+          <p:nvPr/>
+        </p:nvSpPr>
+        <p:spPr>
+          <a:xfrm>
+            <a:off x="6298088" y="2014223"/>
+            <a:ext cx="1288611" cy="446216"/>
+          </a:xfrm>
+          <a:prstGeom prst="rect">
+            <a:avLst/>
+          </a:prstGeom>
+          <a:solidFill>
+            <a:schemeClr val="bg1"/>
+          </a:solidFill>
+          <a:ln w="38100">
+            <a:solidFill>
+              <a:schemeClr val="tx1"/>
+            </a:solidFill>
+          </a:ln>
+        </p:spPr>
+        <p:style>
+          <a:lnRef idx="2">
+            <a:schemeClr val="accent1">
+              <a:shade val="50000"/>
+            </a:schemeClr>
+          </a:lnRef>
+          <a:fillRef idx="1">
+            <a:schemeClr val="accent1"/>
+          </a:fillRef>
+          <a:effectRef idx="0">
+            <a:schemeClr val="accent1"/>
+          </a:effectRef>
+          <a:fontRef idx="minor">
+            <a:schemeClr val="lt1"/>
+          </a:fontRef>
+        </p:style>
+        <p:txBody>
+          <a:bodyPr rtlCol="0" anchor="ctr"/>
+          <a:lstStyle/>
+          <a:p>
+            <a:pPr algn="ctr"/>
+            <a:r>
+              <a:rPr lang="zh-TW" altLang="en-US" sz="1400" dirty="0" smtClean="0">
+                <a:solidFill>
+                  <a:schemeClr val="tx1"/>
+                </a:solidFill>
+              </a:rPr>
+              <a:t>初始設定</a:t>
+            </a:r>
+            <a:endParaRPr lang="zh-TW" altLang="en-US" sz="1400" dirty="0">
+              <a:solidFill>
+                <a:schemeClr val="tx1"/>
+              </a:solidFill>
+            </a:endParaRPr>
+          </a:p>
+        </p:txBody>
+      </p:sp>
+      <p:cxnSp>
+        <p:nvCxnSpPr>
+          <p:cNvPr id="53" name="直線單箭頭接點 52"/>
+          <p:cNvCxnSpPr>
+            <a:stCxn id="52" idx="2"/>
+            <a:endCxn id="46" idx="0"/>
+          </p:cNvCxnSpPr>
+          <p:nvPr/>
+        </p:nvCxnSpPr>
+        <p:spPr>
+          <a:xfrm flipH="1">
+            <a:off x="6942393" y="2460439"/>
+            <a:ext cx="1" cy="2036151"/>
+          </a:xfrm>
+          <a:prstGeom prst="straightConnector1">
+            <a:avLst/>
+          </a:prstGeom>
+          <a:ln w="28575">
+            <a:solidFill>
+              <a:schemeClr val="tx1"/>
+            </a:solidFill>
+            <a:headEnd type="none" w="med" len="med"/>
+            <a:tailEnd type="triangle" w="med" len="med"/>
+          </a:ln>
+        </p:spPr>
+        <p:style>
+          <a:lnRef idx="1">
+            <a:schemeClr val="accent1"/>
+          </a:lnRef>
+          <a:fillRef idx="0">
+            <a:schemeClr val="accent1"/>
+          </a:fillRef>
+          <a:effectRef idx="0">
+            <a:schemeClr val="accent1"/>
+          </a:effectRef>
+          <a:fontRef idx="minor">
+            <a:schemeClr val="tx1"/>
+          </a:fontRef>
+        </p:style>
+      </p:cxnSp>
+      <p:sp>
+        <p:nvSpPr>
+          <p:cNvPr id="54" name="矩形 53"/>
+          <p:cNvSpPr/>
+          <p:nvPr/>
+        </p:nvSpPr>
+        <p:spPr>
+          <a:xfrm>
+            <a:off x="7496900" y="2580636"/>
+            <a:ext cx="854489" cy="522576"/>
+          </a:xfrm>
+          <a:prstGeom prst="rect">
+            <a:avLst/>
+          </a:prstGeom>
+          <a:solidFill>
+            <a:schemeClr val="bg1"/>
+          </a:solidFill>
+          <a:ln w="38100">
+            <a:solidFill>
+              <a:schemeClr val="tx1"/>
+            </a:solidFill>
+          </a:ln>
+        </p:spPr>
+        <p:style>
+          <a:lnRef idx="2">
+            <a:schemeClr val="accent1">
+              <a:shade val="50000"/>
+            </a:schemeClr>
+          </a:lnRef>
+          <a:fillRef idx="1">
+            <a:schemeClr val="accent1"/>
+          </a:fillRef>
+          <a:effectRef idx="0">
+            <a:schemeClr val="accent1"/>
+          </a:effectRef>
+          <a:fontRef idx="minor">
+            <a:schemeClr val="lt1"/>
+          </a:fontRef>
+        </p:style>
+        <p:txBody>
+          <a:bodyPr rtlCol="0" anchor="ctr"/>
+          <a:lstStyle/>
+          <a:p>
+            <a:pPr algn="ctr"/>
+            <a:r>
+              <a:rPr lang="zh-TW" altLang="en-US" sz="1400" dirty="0" smtClean="0">
+                <a:solidFill>
+                  <a:schemeClr val="tx1"/>
+                </a:solidFill>
+              </a:rPr>
+              <a:t>每次都要做</a:t>
+            </a:r>
+            <a:endParaRPr lang="zh-TW" altLang="en-US" sz="1400" dirty="0">
+              <a:solidFill>
+                <a:schemeClr val="tx1"/>
+              </a:solidFill>
+            </a:endParaRPr>
+          </a:p>
+        </p:txBody>
+      </p:sp>
+      <p:cxnSp>
+        <p:nvCxnSpPr>
+          <p:cNvPr id="55" name="直線單箭頭接點 54"/>
+          <p:cNvCxnSpPr>
+            <a:stCxn id="54" idx="1"/>
+          </p:cNvCxnSpPr>
+          <p:nvPr/>
+        </p:nvCxnSpPr>
+        <p:spPr>
+          <a:xfrm flipH="1">
+            <a:off x="6954456" y="2841924"/>
+            <a:ext cx="542444" cy="0"/>
+          </a:xfrm>
+          <a:prstGeom prst="straightConnector1">
+            <a:avLst/>
+          </a:prstGeom>
+          <a:ln w="28575">
+            <a:solidFill>
+              <a:schemeClr val="tx1"/>
+            </a:solidFill>
+            <a:headEnd type="none" w="med" len="med"/>
+            <a:tailEnd type="triangle" w="med" len="med"/>
+          </a:ln>
+        </p:spPr>
+        <p:style>
+          <a:lnRef idx="1">
+            <a:schemeClr val="accent1"/>
+          </a:lnRef>
+          <a:fillRef idx="0">
+            <a:schemeClr val="accent1"/>
+          </a:fillRef>
+          <a:effectRef idx="0">
+            <a:schemeClr val="accent1"/>
+          </a:effectRef>
+          <a:fontRef idx="minor">
+            <a:schemeClr val="tx1"/>
+          </a:fontRef>
+        </p:style>
+      </p:cxnSp>
+      <p:sp>
+        <p:nvSpPr>
+          <p:cNvPr id="56" name="弧形 55"/>
+          <p:cNvSpPr/>
+          <p:nvPr/>
+        </p:nvSpPr>
+        <p:spPr>
+          <a:xfrm>
+            <a:off x="7478548" y="3004200"/>
+            <a:ext cx="1822038" cy="1832996"/>
+          </a:xfrm>
+          <a:prstGeom prst="arc">
+            <a:avLst>
+              <a:gd name="adj1" fmla="val 10829773"/>
+              <a:gd name="adj2" fmla="val 10259038"/>
+            </a:avLst>
+          </a:prstGeom>
+          <a:ln w="381000">
+            <a:solidFill>
+              <a:srgbClr val="F84ADB">
+                <a:alpha val="27843"/>
+              </a:srgbClr>
+            </a:solidFill>
+            <a:prstDash val="solid"/>
+            <a:headEnd type="triangle" w="med" len="med"/>
+            <a:tailEnd type="none" w="med" len="med"/>
+          </a:ln>
+        </p:spPr>
+        <p:style>
+          <a:lnRef idx="1">
+            <a:schemeClr val="accent1"/>
+          </a:lnRef>
+          <a:fillRef idx="0">
+            <a:schemeClr val="accent1"/>
+          </a:fillRef>
+          <a:effectRef idx="0">
+            <a:schemeClr val="accent1"/>
+          </a:effectRef>
+          <a:fontRef idx="minor">
+            <a:schemeClr val="tx1"/>
+          </a:fontRef>
+        </p:style>
+        <p:txBody>
+          <a:bodyPr rtlCol="0" anchor="ctr"/>
+          <a:lstStyle/>
+          <a:p>
+            <a:pPr algn="ctr"/>
+            <a:endParaRPr lang="zh-TW" altLang="en-US"/>
+          </a:p>
+        </p:txBody>
+      </p:sp>
+      <p:sp>
+        <p:nvSpPr>
+          <p:cNvPr id="57" name="菱形 56"/>
+          <p:cNvSpPr/>
+          <p:nvPr/>
+        </p:nvSpPr>
+        <p:spPr>
+          <a:xfrm>
+            <a:off x="8713051" y="3657693"/>
+            <a:ext cx="2013785" cy="651349"/>
+          </a:xfrm>
+          <a:prstGeom prst="diamond">
+            <a:avLst/>
+          </a:prstGeom>
+          <a:solidFill>
+            <a:schemeClr val="bg1"/>
+          </a:solidFill>
+          <a:ln w="38100">
+            <a:solidFill>
+              <a:srgbClr val="FF0000"/>
+            </a:solidFill>
+          </a:ln>
+        </p:spPr>
+        <p:style>
+          <a:lnRef idx="2">
+            <a:schemeClr val="accent1">
+              <a:shade val="50000"/>
+            </a:schemeClr>
+          </a:lnRef>
+          <a:fillRef idx="1">
+            <a:schemeClr val="accent1"/>
+          </a:fillRef>
+          <a:effectRef idx="0">
+            <a:schemeClr val="accent1"/>
+          </a:effectRef>
+          <a:fontRef idx="minor">
+            <a:schemeClr val="lt1"/>
+          </a:fontRef>
+        </p:style>
+        <p:txBody>
+          <a:bodyPr rtlCol="0" anchor="ctr"/>
+          <a:lstStyle/>
+          <a:p>
+            <a:pPr algn="ctr">
+              <a:tabLst>
+                <a:tab pos="1344613" algn="l"/>
+              </a:tabLst>
+            </a:pPr>
+            <a:r>
+              <a:rPr lang="zh-TW" altLang="en-US" sz="1400" dirty="0" smtClean="0">
+                <a:solidFill>
+                  <a:schemeClr val="tx1"/>
+                </a:solidFill>
+              </a:rPr>
+              <a:t>符合某種條件</a:t>
+            </a:r>
+            <a:endParaRPr lang="zh-TW" altLang="en-US" sz="1400" dirty="0">
+              <a:solidFill>
+                <a:schemeClr val="tx1"/>
+              </a:solidFill>
+            </a:endParaRPr>
+          </a:p>
+        </p:txBody>
+      </p:sp>
+      <p:cxnSp>
+        <p:nvCxnSpPr>
+          <p:cNvPr id="58" name="直線單箭頭接點 57"/>
+          <p:cNvCxnSpPr>
+            <a:stCxn id="50" idx="0"/>
+            <a:endCxn id="57" idx="2"/>
+          </p:cNvCxnSpPr>
+          <p:nvPr/>
+        </p:nvCxnSpPr>
+        <p:spPr>
+          <a:xfrm flipH="1" flipV="1">
+            <a:off x="9719944" y="4309042"/>
+            <a:ext cx="1" cy="375097"/>
+          </a:xfrm>
+          <a:prstGeom prst="straightConnector1">
+            <a:avLst/>
+          </a:prstGeom>
+          <a:ln w="28575">
+            <a:solidFill>
+              <a:schemeClr val="tx1"/>
+            </a:solidFill>
+            <a:headEnd type="none" w="med" len="med"/>
+            <a:tailEnd type="triangle" w="med" len="med"/>
+          </a:ln>
+        </p:spPr>
+        <p:style>
+          <a:lnRef idx="1">
+            <a:schemeClr val="accent1"/>
+          </a:lnRef>
+          <a:fillRef idx="0">
+            <a:schemeClr val="accent1"/>
+          </a:fillRef>
+          <a:effectRef idx="0">
+            <a:schemeClr val="accent1"/>
+          </a:effectRef>
+          <a:fontRef idx="minor">
+            <a:schemeClr val="tx1"/>
+          </a:fontRef>
+        </p:style>
+      </p:cxnSp>
+      <p:sp>
+        <p:nvSpPr>
+          <p:cNvPr id="59" name="矩形 58"/>
+          <p:cNvSpPr/>
+          <p:nvPr/>
+        </p:nvSpPr>
+        <p:spPr>
+          <a:xfrm>
+            <a:off x="9229909" y="2561967"/>
+            <a:ext cx="980067" cy="551596"/>
+          </a:xfrm>
+          <a:prstGeom prst="rect">
+            <a:avLst/>
+          </a:prstGeom>
+          <a:solidFill>
+            <a:schemeClr val="bg1"/>
+          </a:solidFill>
+          <a:ln w="38100">
+            <a:solidFill>
+              <a:schemeClr val="tx1"/>
+            </a:solidFill>
+          </a:ln>
+        </p:spPr>
+        <p:style>
+          <a:lnRef idx="2">
+            <a:schemeClr val="accent1">
+              <a:shade val="50000"/>
+            </a:schemeClr>
+          </a:lnRef>
+          <a:fillRef idx="1">
+            <a:schemeClr val="accent1"/>
+          </a:fillRef>
+          <a:effectRef idx="0">
+            <a:schemeClr val="accent1"/>
+          </a:effectRef>
+          <a:fontRef idx="minor">
+            <a:schemeClr val="lt1"/>
+          </a:fontRef>
+        </p:style>
+        <p:txBody>
+          <a:bodyPr rtlCol="0" anchor="ctr"/>
+          <a:lstStyle/>
+          <a:p>
+            <a:pPr algn="ctr"/>
+            <a:r>
+              <a:rPr lang="zh-TW" altLang="en-US" sz="1400" dirty="0">
+                <a:solidFill>
+                  <a:schemeClr val="tx1"/>
+                </a:solidFill>
+              </a:rPr>
+              <a:t>程式區塊</a:t>
+            </a:r>
+            <a:r>
+              <a:rPr lang="en-US" altLang="zh-TW" sz="1400" dirty="0" smtClean="0">
+                <a:solidFill>
+                  <a:schemeClr val="tx1"/>
+                </a:solidFill>
+              </a:rPr>
+              <a:t>(2)</a:t>
+            </a:r>
+            <a:endParaRPr lang="zh-TW" altLang="en-US" sz="1400" dirty="0">
+              <a:solidFill>
+                <a:schemeClr val="tx1"/>
+              </a:solidFill>
+            </a:endParaRPr>
+          </a:p>
+        </p:txBody>
+      </p:sp>
+      <p:cxnSp>
+        <p:nvCxnSpPr>
+          <p:cNvPr id="60" name="直線單箭頭接點 59"/>
+          <p:cNvCxnSpPr>
+            <a:stCxn id="57" idx="0"/>
+            <a:endCxn id="59" idx="2"/>
+          </p:cNvCxnSpPr>
+          <p:nvPr/>
+        </p:nvCxnSpPr>
+        <p:spPr>
+          <a:xfrm flipH="1" flipV="1">
+            <a:off x="9719943" y="3113563"/>
+            <a:ext cx="1" cy="544130"/>
+          </a:xfrm>
+          <a:prstGeom prst="straightConnector1">
+            <a:avLst/>
+          </a:prstGeom>
+          <a:ln w="28575">
+            <a:solidFill>
+              <a:schemeClr val="tx1"/>
+            </a:solidFill>
+            <a:headEnd type="none" w="med" len="med"/>
+            <a:tailEnd type="triangle" w="med" len="med"/>
+          </a:ln>
+        </p:spPr>
+        <p:style>
+          <a:lnRef idx="1">
+            <a:schemeClr val="accent1"/>
+          </a:lnRef>
+          <a:fillRef idx="0">
+            <a:schemeClr val="accent1"/>
+          </a:fillRef>
+          <a:effectRef idx="0">
+            <a:schemeClr val="accent1"/>
+          </a:effectRef>
+          <a:fontRef idx="minor">
+            <a:schemeClr val="tx1"/>
+          </a:fontRef>
+        </p:style>
+      </p:cxnSp>
+      <p:cxnSp>
+        <p:nvCxnSpPr>
+          <p:cNvPr id="61" name="直線單箭頭接點 60"/>
+          <p:cNvCxnSpPr>
+            <a:stCxn id="59" idx="1"/>
+            <a:endCxn id="54" idx="3"/>
+          </p:cNvCxnSpPr>
+          <p:nvPr/>
+        </p:nvCxnSpPr>
+        <p:spPr>
+          <a:xfrm flipH="1">
+            <a:off x="8351389" y="2837765"/>
+            <a:ext cx="878520" cy="4159"/>
+          </a:xfrm>
+          <a:prstGeom prst="straightConnector1">
+            <a:avLst/>
+          </a:prstGeom>
+          <a:ln w="28575">
+            <a:solidFill>
+              <a:schemeClr val="tx1"/>
+            </a:solidFill>
+            <a:headEnd type="none" w="med" len="med"/>
+            <a:tailEnd type="triangle" w="med" len="med"/>
+          </a:ln>
+        </p:spPr>
+        <p:style>
+          <a:lnRef idx="1">
+            <a:schemeClr val="accent1"/>
+          </a:lnRef>
+          <a:fillRef idx="0">
+            <a:schemeClr val="accent1"/>
+          </a:fillRef>
+          <a:effectRef idx="0">
+            <a:schemeClr val="accent1"/>
+          </a:effectRef>
+          <a:fontRef idx="minor">
+            <a:schemeClr val="tx1"/>
+          </a:fontRef>
+        </p:style>
+      </p:cxnSp>
+      <p:sp>
+        <p:nvSpPr>
+          <p:cNvPr id="62" name="文字方塊 61"/>
+          <p:cNvSpPr txBox="1"/>
+          <p:nvPr/>
+        </p:nvSpPr>
+        <p:spPr>
+          <a:xfrm>
+            <a:off x="10354567" y="4065288"/>
+            <a:ext cx="617285" cy="338554"/>
+          </a:xfrm>
+          <a:prstGeom prst="rect">
+            <a:avLst/>
+          </a:prstGeom>
+          <a:noFill/>
+        </p:spPr>
+        <p:txBody>
+          <a:bodyPr wrap="none" rtlCol="0">
+            <a:spAutoFit/>
+          </a:bodyPr>
+          <a:lstStyle/>
+          <a:p>
+            <a:r>
+              <a:rPr lang="en-US" altLang="zh-TW" sz="1600" b="1" dirty="0" smtClean="0">
+                <a:solidFill>
+                  <a:srgbClr val="FF0000"/>
+                </a:solidFill>
+              </a:rPr>
+              <a:t>True</a:t>
+            </a:r>
+            <a:endParaRPr lang="zh-TW" altLang="en-US" sz="1600" b="1" dirty="0">
+              <a:solidFill>
+                <a:srgbClr val="FF0000"/>
+              </a:solidFill>
+            </a:endParaRPr>
+          </a:p>
+        </p:txBody>
+      </p:sp>
+    </p:spTree>
+    <p:extLst>
+      <p:ext uri="{BB962C8B-B14F-4D97-AF65-F5344CB8AC3E}">
+        <p14:creationId xmlns:p14="http://schemas.microsoft.com/office/powerpoint/2010/main" val="206969992"/>
+      </p:ext>
+    </p:extLst>
+  </p:cSld>
+  <p:clrMapOvr>
+    <a:masterClrMapping/>
+  </p:clrMapOvr>
+</p:sld>
+</file>
+
+<file path=ppt/slides/slide35.xml><?xml version="1.0" encoding="utf-8"?>
+<p:sld xmlns:a="http://schemas.openxmlformats.org/drawingml/2006/main" xmlns:r="http://schemas.openxmlformats.org/officeDocument/2006/relationships" xmlns:p="http://schemas.openxmlformats.org/presentationml/2006/main">
+  <p:cSld>
+    <p:spTree>
+      <p:nvGrpSpPr>
+        <p:cNvPr id="1" name=""/>
+        <p:cNvGrpSpPr/>
+        <p:nvPr/>
+      </p:nvGrpSpPr>
+      <p:grpSpPr>
+        <a:xfrm>
+          <a:off x="0" y="0"/>
+          <a:ext cx="0" cy="0"/>
+          <a:chOff x="0" y="0"/>
+          <a:chExt cx="0" cy="0"/>
+        </a:xfrm>
+      </p:grpSpPr>
+      <p:sp>
+        <p:nvSpPr>
+          <p:cNvPr id="2" name="標題 1"/>
+          <p:cNvSpPr>
+            <a:spLocks noGrp="1"/>
+          </p:cNvSpPr>
+          <p:nvPr>
+            <p:ph type="title"/>
+          </p:nvPr>
+        </p:nvSpPr>
+        <p:spPr/>
+        <p:txBody>
+          <a:bodyPr/>
+          <a:lstStyle/>
+          <a:p>
+            <a:r>
+              <a:rPr lang="en-US" altLang="zh-TW" dirty="0" smtClean="0"/>
+              <a:t>continue</a:t>
+            </a:r>
+            <a:r>
+              <a:rPr lang="zh-TW" altLang="en-US" dirty="0" smtClean="0"/>
+              <a:t>繼續、重來</a:t>
+            </a:r>
+            <a:endParaRPr lang="zh-TW" altLang="en-US" dirty="0"/>
+          </a:p>
+        </p:txBody>
+      </p:sp>
+      <p:sp>
+        <p:nvSpPr>
+          <p:cNvPr id="3" name="內容版面配置區 2"/>
+          <p:cNvSpPr>
+            <a:spLocks noGrp="1"/>
+          </p:cNvSpPr>
+          <p:nvPr>
+            <p:ph idx="1"/>
+          </p:nvPr>
+        </p:nvSpPr>
+        <p:spPr>
+          <a:xfrm>
+            <a:off x="677334" y="2160589"/>
+            <a:ext cx="5998769" cy="3880773"/>
+          </a:xfrm>
+        </p:spPr>
+        <p:txBody>
+          <a:bodyPr/>
+          <a:lstStyle/>
+          <a:p>
+            <a:r>
+              <a:rPr lang="en-US" altLang="zh-TW" dirty="0"/>
+              <a:t>continue</a:t>
+            </a:r>
+            <a:r>
+              <a:rPr lang="zh-TW" altLang="en-US" dirty="0" smtClean="0"/>
+              <a:t>的</a:t>
+            </a:r>
+            <a:r>
+              <a:rPr lang="zh-TW" altLang="en-US" dirty="0"/>
+              <a:t>指令是停止目前迴圈</a:t>
+            </a:r>
+            <a:r>
+              <a:rPr lang="en-US" altLang="zh-TW" dirty="0"/>
+              <a:t>(</a:t>
+            </a:r>
+            <a:r>
+              <a:rPr lang="zh-TW" altLang="en-US" dirty="0"/>
+              <a:t>包含</a:t>
+            </a:r>
+            <a:r>
+              <a:rPr lang="en-US" altLang="zh-TW" dirty="0" err="1"/>
+              <a:t>for,while</a:t>
+            </a:r>
+            <a:r>
+              <a:rPr lang="zh-TW" altLang="en-US" dirty="0"/>
+              <a:t>迴圈</a:t>
+            </a:r>
+            <a:r>
+              <a:rPr lang="en-US" altLang="zh-TW" dirty="0" smtClean="0"/>
+              <a:t>)</a:t>
+            </a:r>
+            <a:r>
+              <a:rPr lang="zh-TW" altLang="en-US" dirty="0" smtClean="0"/>
+              <a:t>未完成工作，直接</a:t>
+            </a:r>
+            <a:r>
+              <a:rPr lang="zh-TW" altLang="en-US" b="1" dirty="0" smtClean="0">
+                <a:solidFill>
+                  <a:srgbClr val="C00000"/>
+                </a:solidFill>
+              </a:rPr>
+              <a:t>換下一筆資料</a:t>
+            </a:r>
+            <a:r>
+              <a:rPr lang="zh-TW" altLang="en-US" dirty="0" smtClean="0"/>
+              <a:t>重來一次。</a:t>
+            </a:r>
+            <a:endParaRPr lang="en-US" altLang="zh-TW" dirty="0"/>
+          </a:p>
+          <a:p>
+            <a:r>
+              <a:rPr lang="zh-TW" altLang="en-US" dirty="0"/>
+              <a:t>在</a:t>
+            </a:r>
+            <a:r>
+              <a:rPr lang="en-US" altLang="zh-TW" dirty="0"/>
+              <a:t>for</a:t>
+            </a:r>
+            <a:r>
+              <a:rPr lang="zh-TW" altLang="en-US" dirty="0"/>
+              <a:t>迴圈或是</a:t>
+            </a:r>
+            <a:r>
+              <a:rPr lang="en-US" altLang="zh-TW" dirty="0"/>
+              <a:t>while</a:t>
+            </a:r>
+            <a:r>
+              <a:rPr lang="zh-TW" altLang="en-US" dirty="0"/>
+              <a:t>迴圈中，只要執行</a:t>
+            </a:r>
+            <a:r>
+              <a:rPr lang="zh-TW" altLang="en-US" dirty="0" smtClean="0"/>
+              <a:t>到</a:t>
+            </a:r>
+            <a:r>
+              <a:rPr lang="en-US" altLang="zh-TW" dirty="0"/>
+              <a:t>continue</a:t>
+            </a:r>
+            <a:r>
+              <a:rPr lang="zh-TW" altLang="en-US" dirty="0" smtClean="0"/>
+              <a:t>指令</a:t>
+            </a:r>
+            <a:r>
+              <a:rPr lang="zh-TW" altLang="en-US" dirty="0"/>
+              <a:t>，就會強制</a:t>
+            </a:r>
+            <a:r>
+              <a:rPr lang="zh-TW" altLang="en-US" b="1" dirty="0" smtClean="0">
+                <a:solidFill>
+                  <a:srgbClr val="C00000"/>
+                </a:solidFill>
+              </a:rPr>
+              <a:t>立即回到迴圈開頭</a:t>
+            </a:r>
+            <a:r>
+              <a:rPr lang="zh-TW" altLang="en-US" dirty="0" smtClean="0"/>
+              <a:t>，</a:t>
+            </a:r>
+            <a:r>
+              <a:rPr lang="zh-TW" altLang="en-US" dirty="0"/>
+              <a:t>如右圖的流程圖</a:t>
+            </a:r>
+            <a:r>
+              <a:rPr lang="zh-TW" altLang="en-US" dirty="0" smtClean="0"/>
+              <a:t>。</a:t>
+            </a:r>
+            <a:endParaRPr lang="en-US" altLang="zh-TW" dirty="0" smtClean="0"/>
+          </a:p>
+          <a:p>
+            <a:r>
+              <a:rPr lang="zh-TW" altLang="en-US" dirty="0">
+                <a:solidFill>
+                  <a:srgbClr val="C00000"/>
+                </a:solidFill>
+              </a:rPr>
+              <a:t>有部分迴圈中程式碼被跳過</a:t>
+            </a:r>
+            <a:r>
+              <a:rPr lang="zh-TW" altLang="en-US" dirty="0" smtClean="0"/>
+              <a:t>，如右程式區塊</a:t>
+            </a:r>
+            <a:r>
+              <a:rPr lang="en-US" altLang="zh-TW" dirty="0" smtClean="0"/>
+              <a:t>(2)</a:t>
+            </a:r>
+            <a:endParaRPr lang="en-US" altLang="zh-TW" dirty="0"/>
+          </a:p>
+          <a:p>
+            <a:r>
+              <a:rPr lang="zh-TW" altLang="en-US" dirty="0"/>
+              <a:t>通常會用在迴圈中做特殊狀況檢測。</a:t>
+            </a:r>
+          </a:p>
+          <a:p>
+            <a:endParaRPr lang="zh-TW" altLang="en-US" dirty="0"/>
+          </a:p>
+        </p:txBody>
+      </p:sp>
+      <p:sp>
+        <p:nvSpPr>
+          <p:cNvPr id="22" name="圓角矩形 21"/>
+          <p:cNvSpPr/>
+          <p:nvPr/>
+        </p:nvSpPr>
+        <p:spPr>
+          <a:xfrm>
+            <a:off x="6773230" y="1147258"/>
+            <a:ext cx="1143000" cy="392176"/>
+          </a:xfrm>
+          <a:prstGeom prst="roundRect">
+            <a:avLst>
+              <a:gd name="adj" fmla="val 50000"/>
+            </a:avLst>
+          </a:prstGeom>
+          <a:solidFill>
+            <a:schemeClr val="bg1"/>
+          </a:solidFill>
+          <a:ln>
+            <a:solidFill>
+              <a:schemeClr val="tx1"/>
+            </a:solidFill>
+          </a:ln>
+        </p:spPr>
+        <p:style>
+          <a:lnRef idx="2">
+            <a:schemeClr val="accent1">
+              <a:shade val="50000"/>
+            </a:schemeClr>
+          </a:lnRef>
+          <a:fillRef idx="1">
+            <a:schemeClr val="accent1"/>
+          </a:fillRef>
+          <a:effectRef idx="0">
+            <a:schemeClr val="accent1"/>
+          </a:effectRef>
+          <a:fontRef idx="minor">
+            <a:schemeClr val="lt1"/>
+          </a:fontRef>
+        </p:style>
+        <p:txBody>
+          <a:bodyPr rtlCol="0" anchor="ctr"/>
+          <a:lstStyle/>
+          <a:p>
+            <a:pPr algn="ctr"/>
+            <a:r>
+              <a:rPr lang="zh-TW" altLang="en-US" sz="1400" dirty="0">
+                <a:solidFill>
+                  <a:schemeClr val="tx1"/>
+                </a:solidFill>
+              </a:rPr>
+              <a:t>迴圈開始</a:t>
+            </a:r>
+          </a:p>
+        </p:txBody>
+      </p:sp>
+      <p:cxnSp>
+        <p:nvCxnSpPr>
+          <p:cNvPr id="23" name="直線單箭頭接點 22"/>
+          <p:cNvCxnSpPr>
+            <a:stCxn id="22" idx="2"/>
+            <a:endCxn id="32" idx="0"/>
+          </p:cNvCxnSpPr>
+          <p:nvPr/>
+        </p:nvCxnSpPr>
+        <p:spPr>
+          <a:xfrm>
+            <a:off x="7344730" y="1539434"/>
+            <a:ext cx="0" cy="365061"/>
+          </a:xfrm>
+          <a:prstGeom prst="straightConnector1">
+            <a:avLst/>
+          </a:prstGeom>
+          <a:ln w="28575">
+            <a:solidFill>
+              <a:schemeClr val="tx1"/>
+            </a:solidFill>
+            <a:headEnd type="none" w="med" len="med"/>
+            <a:tailEnd type="triangle" w="med" len="med"/>
+          </a:ln>
+        </p:spPr>
+        <p:style>
+          <a:lnRef idx="1">
+            <a:schemeClr val="accent1"/>
+          </a:lnRef>
+          <a:fillRef idx="0">
+            <a:schemeClr val="accent1"/>
+          </a:fillRef>
+          <a:effectRef idx="0">
+            <a:schemeClr val="accent1"/>
+          </a:effectRef>
+          <a:fontRef idx="minor">
+            <a:schemeClr val="tx1"/>
+          </a:fontRef>
+        </p:style>
+      </p:cxnSp>
+      <p:cxnSp>
+        <p:nvCxnSpPr>
+          <p:cNvPr id="24" name="直線單箭頭接點 23"/>
+          <p:cNvCxnSpPr>
+            <a:stCxn id="26" idx="2"/>
+            <a:endCxn id="25" idx="0"/>
+          </p:cNvCxnSpPr>
+          <p:nvPr/>
+        </p:nvCxnSpPr>
+        <p:spPr>
+          <a:xfrm>
+            <a:off x="7344729" y="5250828"/>
+            <a:ext cx="1" cy="650064"/>
+          </a:xfrm>
+          <a:prstGeom prst="straightConnector1">
+            <a:avLst/>
+          </a:prstGeom>
+          <a:ln w="28575">
+            <a:solidFill>
+              <a:schemeClr val="tx1"/>
+            </a:solidFill>
+            <a:headEnd type="none" w="med" len="med"/>
+            <a:tailEnd type="triangle" w="med" len="med"/>
+          </a:ln>
+        </p:spPr>
+        <p:style>
+          <a:lnRef idx="1">
+            <a:schemeClr val="accent1"/>
+          </a:lnRef>
+          <a:fillRef idx="0">
+            <a:schemeClr val="accent1"/>
+          </a:fillRef>
+          <a:effectRef idx="0">
+            <a:schemeClr val="accent1"/>
+          </a:effectRef>
+          <a:fontRef idx="minor">
+            <a:schemeClr val="tx1"/>
+          </a:fontRef>
+        </p:style>
+      </p:cxnSp>
+      <p:sp>
+        <p:nvSpPr>
+          <p:cNvPr id="25" name="圓角矩形 24"/>
+          <p:cNvSpPr/>
+          <p:nvPr/>
+        </p:nvSpPr>
+        <p:spPr>
+          <a:xfrm>
+            <a:off x="6773230" y="5900892"/>
+            <a:ext cx="1143000" cy="392176"/>
+          </a:xfrm>
+          <a:prstGeom prst="roundRect">
+            <a:avLst>
+              <a:gd name="adj" fmla="val 50000"/>
+            </a:avLst>
+          </a:prstGeom>
+          <a:solidFill>
+            <a:schemeClr val="bg1"/>
+          </a:solidFill>
+          <a:ln>
+            <a:solidFill>
+              <a:schemeClr val="tx1"/>
+            </a:solidFill>
+          </a:ln>
+        </p:spPr>
+        <p:style>
+          <a:lnRef idx="2">
+            <a:schemeClr val="accent1">
+              <a:shade val="50000"/>
+            </a:schemeClr>
+          </a:lnRef>
+          <a:fillRef idx="1">
+            <a:schemeClr val="accent1"/>
+          </a:fillRef>
+          <a:effectRef idx="0">
+            <a:schemeClr val="accent1"/>
+          </a:effectRef>
+          <a:fontRef idx="minor">
+            <a:schemeClr val="lt1"/>
+          </a:fontRef>
+        </p:style>
+        <p:txBody>
+          <a:bodyPr rtlCol="0" anchor="ctr"/>
+          <a:lstStyle/>
+          <a:p>
+            <a:pPr algn="ctr"/>
+            <a:r>
+              <a:rPr lang="zh-TW" altLang="en-US" sz="1400" dirty="0">
+                <a:solidFill>
+                  <a:schemeClr val="tx1"/>
+                </a:solidFill>
+              </a:rPr>
+              <a:t>迴圈結束</a:t>
+            </a:r>
+          </a:p>
+        </p:txBody>
+      </p:sp>
+      <p:sp>
+        <p:nvSpPr>
+          <p:cNvPr id="26" name="菱形 25"/>
+          <p:cNvSpPr/>
+          <p:nvPr/>
+        </p:nvSpPr>
+        <p:spPr>
+          <a:xfrm>
+            <a:off x="6330794" y="4386862"/>
+            <a:ext cx="2027870" cy="863966"/>
+          </a:xfrm>
+          <a:prstGeom prst="diamond">
+            <a:avLst/>
+          </a:prstGeom>
+          <a:solidFill>
+            <a:schemeClr val="bg1"/>
+          </a:solidFill>
+          <a:ln w="38100">
+            <a:solidFill>
+              <a:schemeClr val="tx1"/>
+            </a:solidFill>
+          </a:ln>
+        </p:spPr>
+        <p:style>
+          <a:lnRef idx="2">
+            <a:schemeClr val="accent1">
+              <a:shade val="50000"/>
+            </a:schemeClr>
+          </a:lnRef>
+          <a:fillRef idx="1">
+            <a:schemeClr val="accent1"/>
+          </a:fillRef>
+          <a:effectRef idx="0">
+            <a:schemeClr val="accent1"/>
+          </a:effectRef>
+          <a:fontRef idx="minor">
+            <a:schemeClr val="lt1"/>
+          </a:fontRef>
+        </p:style>
+        <p:txBody>
+          <a:bodyPr rtlCol="0" anchor="ctr"/>
+          <a:lstStyle/>
+          <a:p>
+            <a:pPr algn="ctr"/>
+            <a:r>
+              <a:rPr lang="zh-TW" altLang="en-US" sz="1400" dirty="0" smtClean="0">
+                <a:solidFill>
+                  <a:schemeClr val="tx1"/>
+                </a:solidFill>
+              </a:rPr>
+              <a:t>執行條件</a:t>
+            </a:r>
+            <a:endParaRPr lang="zh-TW" altLang="en-US" sz="1400" dirty="0">
+              <a:solidFill>
+                <a:schemeClr val="tx1"/>
+              </a:solidFill>
+            </a:endParaRPr>
+          </a:p>
+        </p:txBody>
+      </p:sp>
+      <p:cxnSp>
+        <p:nvCxnSpPr>
+          <p:cNvPr id="27" name="肘形接點 26"/>
+          <p:cNvCxnSpPr>
+            <a:stCxn id="37" idx="3"/>
+            <a:endCxn id="34" idx="0"/>
+          </p:cNvCxnSpPr>
+          <p:nvPr/>
+        </p:nvCxnSpPr>
+        <p:spPr>
+          <a:xfrm flipH="1" flipV="1">
+            <a:off x="8326481" y="2470908"/>
+            <a:ext cx="2802691" cy="1402732"/>
+          </a:xfrm>
+          <a:prstGeom prst="bentConnector4">
+            <a:avLst>
+              <a:gd name="adj1" fmla="val -14029"/>
+              <a:gd name="adj2" fmla="val 134549"/>
+            </a:avLst>
+          </a:prstGeom>
+          <a:ln w="38100">
+            <a:solidFill>
+              <a:srgbClr val="FF0000"/>
+            </a:solidFill>
+            <a:tailEnd type="triangle"/>
+          </a:ln>
+        </p:spPr>
+        <p:style>
+          <a:lnRef idx="1">
+            <a:schemeClr val="accent1"/>
+          </a:lnRef>
+          <a:fillRef idx="0">
+            <a:schemeClr val="accent1"/>
+          </a:fillRef>
+          <a:effectRef idx="0">
+            <a:schemeClr val="accent1"/>
+          </a:effectRef>
+          <a:fontRef idx="minor">
+            <a:schemeClr val="tx1"/>
+          </a:fontRef>
+        </p:style>
+      </p:cxnSp>
+      <p:sp>
+        <p:nvSpPr>
+          <p:cNvPr id="28" name="文字方塊 27"/>
+          <p:cNvSpPr txBox="1"/>
+          <p:nvPr/>
+        </p:nvSpPr>
+        <p:spPr>
+          <a:xfrm>
+            <a:off x="8560882" y="4435118"/>
+            <a:ext cx="535211" cy="307777"/>
+          </a:xfrm>
+          <a:prstGeom prst="rect">
+            <a:avLst/>
+          </a:prstGeom>
+          <a:noFill/>
+        </p:spPr>
+        <p:txBody>
+          <a:bodyPr wrap="none" rtlCol="0">
+            <a:spAutoFit/>
+          </a:bodyPr>
+          <a:lstStyle/>
+          <a:p>
+            <a:r>
+              <a:rPr lang="en-US" altLang="zh-TW" sz="1400" dirty="0" smtClean="0"/>
+              <a:t>True</a:t>
+            </a:r>
+            <a:endParaRPr lang="zh-TW" altLang="en-US" sz="1400" dirty="0"/>
+          </a:p>
+        </p:txBody>
+      </p:sp>
+      <p:sp>
+        <p:nvSpPr>
+          <p:cNvPr id="29" name="文字方塊 28"/>
+          <p:cNvSpPr txBox="1"/>
+          <p:nvPr/>
+        </p:nvSpPr>
+        <p:spPr>
+          <a:xfrm>
+            <a:off x="9485637" y="3110356"/>
+            <a:ext cx="671979" cy="338554"/>
+          </a:xfrm>
+          <a:prstGeom prst="rect">
+            <a:avLst/>
+          </a:prstGeom>
+          <a:noFill/>
+        </p:spPr>
+        <p:txBody>
+          <a:bodyPr wrap="none" rtlCol="0">
+            <a:spAutoFit/>
+          </a:bodyPr>
+          <a:lstStyle/>
+          <a:p>
+            <a:r>
+              <a:rPr lang="en-US" altLang="zh-TW" sz="1600" b="1" dirty="0" smtClean="0">
+                <a:solidFill>
+                  <a:srgbClr val="FF0000"/>
+                </a:solidFill>
+              </a:rPr>
+              <a:t>False</a:t>
+            </a:r>
+            <a:endParaRPr lang="zh-TW" altLang="en-US" sz="1600" b="1" dirty="0">
+              <a:solidFill>
+                <a:srgbClr val="FF0000"/>
+              </a:solidFill>
+            </a:endParaRPr>
+          </a:p>
+        </p:txBody>
+      </p:sp>
+      <p:sp>
+        <p:nvSpPr>
+          <p:cNvPr id="30" name="矩形 29"/>
+          <p:cNvSpPr/>
+          <p:nvPr/>
+        </p:nvSpPr>
+        <p:spPr>
+          <a:xfrm>
+            <a:off x="9632247" y="4574411"/>
+            <a:ext cx="980067" cy="551596"/>
+          </a:xfrm>
+          <a:prstGeom prst="rect">
+            <a:avLst/>
+          </a:prstGeom>
+          <a:solidFill>
+            <a:schemeClr val="bg1"/>
+          </a:solidFill>
+          <a:ln w="38100">
+            <a:solidFill>
+              <a:schemeClr val="tx1"/>
+            </a:solidFill>
+          </a:ln>
+        </p:spPr>
+        <p:style>
+          <a:lnRef idx="2">
+            <a:schemeClr val="accent1">
+              <a:shade val="50000"/>
+            </a:schemeClr>
+          </a:lnRef>
+          <a:fillRef idx="1">
+            <a:schemeClr val="accent1"/>
+          </a:fillRef>
+          <a:effectRef idx="0">
+            <a:schemeClr val="accent1"/>
+          </a:effectRef>
+          <a:fontRef idx="minor">
+            <a:schemeClr val="lt1"/>
+          </a:fontRef>
+        </p:style>
+        <p:txBody>
+          <a:bodyPr rtlCol="0" anchor="ctr"/>
+          <a:lstStyle/>
+          <a:p>
+            <a:pPr algn="ctr"/>
+            <a:r>
+              <a:rPr lang="zh-TW" altLang="en-US" sz="1400" dirty="0" smtClean="0">
+                <a:solidFill>
+                  <a:schemeClr val="tx1"/>
+                </a:solidFill>
+              </a:rPr>
+              <a:t>重複執行的工作</a:t>
+            </a:r>
+            <a:r>
+              <a:rPr lang="en-US" altLang="zh-TW" sz="1400" dirty="0" smtClean="0">
+                <a:solidFill>
+                  <a:schemeClr val="tx1"/>
+                </a:solidFill>
+              </a:rPr>
+              <a:t>(1)</a:t>
+            </a:r>
+            <a:endParaRPr lang="zh-TW" altLang="en-US" sz="1400" dirty="0">
+              <a:solidFill>
+                <a:schemeClr val="tx1"/>
+              </a:solidFill>
+            </a:endParaRPr>
+          </a:p>
+        </p:txBody>
+      </p:sp>
+      <p:cxnSp>
+        <p:nvCxnSpPr>
+          <p:cNvPr id="31" name="直線單箭頭接點 30"/>
+          <p:cNvCxnSpPr>
+            <a:stCxn id="26" idx="3"/>
+            <a:endCxn id="30" idx="1"/>
+          </p:cNvCxnSpPr>
+          <p:nvPr/>
+        </p:nvCxnSpPr>
+        <p:spPr>
+          <a:xfrm>
+            <a:off x="8358664" y="4818845"/>
+            <a:ext cx="1273583" cy="31364"/>
+          </a:xfrm>
+          <a:prstGeom prst="straightConnector1">
+            <a:avLst/>
+          </a:prstGeom>
+          <a:ln w="28575">
+            <a:solidFill>
+              <a:schemeClr val="tx1"/>
+            </a:solidFill>
+            <a:headEnd type="none" w="med" len="med"/>
+            <a:tailEnd type="triangle" w="med" len="med"/>
+          </a:ln>
+        </p:spPr>
+        <p:style>
+          <a:lnRef idx="1">
+            <a:schemeClr val="accent1"/>
+          </a:lnRef>
+          <a:fillRef idx="0">
+            <a:schemeClr val="accent1"/>
+          </a:fillRef>
+          <a:effectRef idx="0">
+            <a:schemeClr val="accent1"/>
+          </a:effectRef>
+          <a:fontRef idx="minor">
+            <a:schemeClr val="tx1"/>
+          </a:fontRef>
+        </p:style>
+      </p:cxnSp>
+      <p:sp>
+        <p:nvSpPr>
+          <p:cNvPr id="32" name="矩形 31"/>
+          <p:cNvSpPr/>
+          <p:nvPr/>
+        </p:nvSpPr>
+        <p:spPr>
+          <a:xfrm>
+            <a:off x="6700424" y="1904495"/>
+            <a:ext cx="1288611" cy="446216"/>
+          </a:xfrm>
+          <a:prstGeom prst="rect">
+            <a:avLst/>
+          </a:prstGeom>
+          <a:solidFill>
+            <a:schemeClr val="bg1"/>
+          </a:solidFill>
+          <a:ln w="38100">
+            <a:solidFill>
+              <a:schemeClr val="tx1"/>
+            </a:solidFill>
+          </a:ln>
+        </p:spPr>
+        <p:style>
+          <a:lnRef idx="2">
+            <a:schemeClr val="accent1">
+              <a:shade val="50000"/>
+            </a:schemeClr>
+          </a:lnRef>
+          <a:fillRef idx="1">
+            <a:schemeClr val="accent1"/>
+          </a:fillRef>
+          <a:effectRef idx="0">
+            <a:schemeClr val="accent1"/>
+          </a:effectRef>
+          <a:fontRef idx="minor">
+            <a:schemeClr val="lt1"/>
+          </a:fontRef>
+        </p:style>
+        <p:txBody>
+          <a:bodyPr rtlCol="0" anchor="ctr"/>
+          <a:lstStyle/>
+          <a:p>
+            <a:pPr algn="ctr"/>
+            <a:r>
+              <a:rPr lang="zh-TW" altLang="en-US" sz="1400" dirty="0" smtClean="0">
+                <a:solidFill>
+                  <a:schemeClr val="tx1"/>
+                </a:solidFill>
+              </a:rPr>
+              <a:t>初始設定</a:t>
+            </a:r>
+            <a:endParaRPr lang="zh-TW" altLang="en-US" sz="1400" dirty="0">
+              <a:solidFill>
+                <a:schemeClr val="tx1"/>
+              </a:solidFill>
+            </a:endParaRPr>
+          </a:p>
+        </p:txBody>
+      </p:sp>
+      <p:cxnSp>
+        <p:nvCxnSpPr>
+          <p:cNvPr id="33" name="直線單箭頭接點 32"/>
+          <p:cNvCxnSpPr>
+            <a:stCxn id="32" idx="2"/>
+            <a:endCxn id="26" idx="0"/>
+          </p:cNvCxnSpPr>
+          <p:nvPr/>
+        </p:nvCxnSpPr>
+        <p:spPr>
+          <a:xfrm flipH="1">
+            <a:off x="7344729" y="2350711"/>
+            <a:ext cx="1" cy="2036151"/>
+          </a:xfrm>
+          <a:prstGeom prst="straightConnector1">
+            <a:avLst/>
+          </a:prstGeom>
+          <a:ln w="28575">
+            <a:solidFill>
+              <a:schemeClr val="tx1"/>
+            </a:solidFill>
+            <a:headEnd type="none" w="med" len="med"/>
+            <a:tailEnd type="triangle" w="med" len="med"/>
+          </a:ln>
+        </p:spPr>
+        <p:style>
+          <a:lnRef idx="1">
+            <a:schemeClr val="accent1"/>
+          </a:lnRef>
+          <a:fillRef idx="0">
+            <a:schemeClr val="accent1"/>
+          </a:fillRef>
+          <a:effectRef idx="0">
+            <a:schemeClr val="accent1"/>
+          </a:effectRef>
+          <a:fontRef idx="minor">
+            <a:schemeClr val="tx1"/>
+          </a:fontRef>
+        </p:style>
+      </p:cxnSp>
+      <p:sp>
+        <p:nvSpPr>
+          <p:cNvPr id="34" name="矩形 33"/>
+          <p:cNvSpPr/>
+          <p:nvPr/>
+        </p:nvSpPr>
+        <p:spPr>
+          <a:xfrm>
+            <a:off x="7899236" y="2470908"/>
+            <a:ext cx="854489" cy="522576"/>
+          </a:xfrm>
+          <a:prstGeom prst="rect">
+            <a:avLst/>
+          </a:prstGeom>
+          <a:solidFill>
+            <a:schemeClr val="bg1"/>
+          </a:solidFill>
+          <a:ln w="38100">
+            <a:solidFill>
+              <a:schemeClr val="tx1"/>
+            </a:solidFill>
+          </a:ln>
+        </p:spPr>
+        <p:style>
+          <a:lnRef idx="2">
+            <a:schemeClr val="accent1">
+              <a:shade val="50000"/>
+            </a:schemeClr>
+          </a:lnRef>
+          <a:fillRef idx="1">
+            <a:schemeClr val="accent1"/>
+          </a:fillRef>
+          <a:effectRef idx="0">
+            <a:schemeClr val="accent1"/>
+          </a:effectRef>
+          <a:fontRef idx="minor">
+            <a:schemeClr val="lt1"/>
+          </a:fontRef>
+        </p:style>
+        <p:txBody>
+          <a:bodyPr rtlCol="0" anchor="ctr"/>
+          <a:lstStyle/>
+          <a:p>
+            <a:pPr algn="ctr"/>
+            <a:r>
+              <a:rPr lang="zh-TW" altLang="en-US" sz="1400" dirty="0" smtClean="0">
+                <a:solidFill>
+                  <a:schemeClr val="tx1"/>
+                </a:solidFill>
+              </a:rPr>
+              <a:t>每次都要做</a:t>
+            </a:r>
+            <a:endParaRPr lang="zh-TW" altLang="en-US" sz="1400" dirty="0">
+              <a:solidFill>
+                <a:schemeClr val="tx1"/>
+              </a:solidFill>
+            </a:endParaRPr>
+          </a:p>
+        </p:txBody>
+      </p:sp>
+      <p:cxnSp>
+        <p:nvCxnSpPr>
+          <p:cNvPr id="35" name="直線單箭頭接點 34"/>
+          <p:cNvCxnSpPr>
+            <a:stCxn id="34" idx="1"/>
+          </p:cNvCxnSpPr>
+          <p:nvPr/>
+        </p:nvCxnSpPr>
+        <p:spPr>
+          <a:xfrm flipH="1">
+            <a:off x="7356792" y="2732196"/>
+            <a:ext cx="542444" cy="0"/>
+          </a:xfrm>
+          <a:prstGeom prst="straightConnector1">
+            <a:avLst/>
+          </a:prstGeom>
+          <a:ln w="28575">
+            <a:solidFill>
+              <a:schemeClr val="tx1"/>
+            </a:solidFill>
+            <a:headEnd type="none" w="med" len="med"/>
+            <a:tailEnd type="triangle" w="med" len="med"/>
+          </a:ln>
+        </p:spPr>
+        <p:style>
+          <a:lnRef idx="1">
+            <a:schemeClr val="accent1"/>
+          </a:lnRef>
+          <a:fillRef idx="0">
+            <a:schemeClr val="accent1"/>
+          </a:fillRef>
+          <a:effectRef idx="0">
+            <a:schemeClr val="accent1"/>
+          </a:effectRef>
+          <a:fontRef idx="minor">
+            <a:schemeClr val="tx1"/>
+          </a:fontRef>
+        </p:style>
+      </p:cxnSp>
+      <p:sp>
+        <p:nvSpPr>
+          <p:cNvPr id="36" name="弧形 35"/>
+          <p:cNvSpPr/>
+          <p:nvPr/>
+        </p:nvSpPr>
+        <p:spPr>
+          <a:xfrm>
+            <a:off x="7880884" y="2894472"/>
+            <a:ext cx="1822038" cy="1832996"/>
+          </a:xfrm>
+          <a:prstGeom prst="arc">
+            <a:avLst>
+              <a:gd name="adj1" fmla="val 10829773"/>
+              <a:gd name="adj2" fmla="val 10259038"/>
+            </a:avLst>
+          </a:prstGeom>
+          <a:ln w="381000">
+            <a:solidFill>
+              <a:srgbClr val="F84ADB">
+                <a:alpha val="27843"/>
+              </a:srgbClr>
+            </a:solidFill>
+            <a:prstDash val="solid"/>
+            <a:headEnd type="triangle" w="med" len="med"/>
+            <a:tailEnd type="none" w="med" len="med"/>
+          </a:ln>
+        </p:spPr>
+        <p:style>
+          <a:lnRef idx="1">
+            <a:schemeClr val="accent1"/>
+          </a:lnRef>
+          <a:fillRef idx="0">
+            <a:schemeClr val="accent1"/>
+          </a:fillRef>
+          <a:effectRef idx="0">
+            <a:schemeClr val="accent1"/>
+          </a:effectRef>
+          <a:fontRef idx="minor">
+            <a:schemeClr val="tx1"/>
+          </a:fontRef>
+        </p:style>
+        <p:txBody>
+          <a:bodyPr rtlCol="0" anchor="ctr"/>
+          <a:lstStyle/>
+          <a:p>
+            <a:pPr algn="ctr"/>
+            <a:endParaRPr lang="zh-TW" altLang="en-US"/>
+          </a:p>
+        </p:txBody>
+      </p:sp>
+      <p:sp>
+        <p:nvSpPr>
+          <p:cNvPr id="37" name="菱形 36"/>
+          <p:cNvSpPr/>
+          <p:nvPr/>
+        </p:nvSpPr>
+        <p:spPr>
+          <a:xfrm>
+            <a:off x="9115387" y="3547965"/>
+            <a:ext cx="2013785" cy="651349"/>
+          </a:xfrm>
+          <a:prstGeom prst="diamond">
+            <a:avLst/>
+          </a:prstGeom>
+          <a:solidFill>
+            <a:schemeClr val="bg1"/>
+          </a:solidFill>
+          <a:ln w="38100">
+            <a:solidFill>
+              <a:srgbClr val="FF0000"/>
+            </a:solidFill>
+          </a:ln>
+        </p:spPr>
+        <p:style>
+          <a:lnRef idx="2">
+            <a:schemeClr val="accent1">
+              <a:shade val="50000"/>
+            </a:schemeClr>
+          </a:lnRef>
+          <a:fillRef idx="1">
+            <a:schemeClr val="accent1"/>
+          </a:fillRef>
+          <a:effectRef idx="0">
+            <a:schemeClr val="accent1"/>
+          </a:effectRef>
+          <a:fontRef idx="minor">
+            <a:schemeClr val="lt1"/>
+          </a:fontRef>
+        </p:style>
+        <p:txBody>
+          <a:bodyPr rtlCol="0" anchor="ctr"/>
+          <a:lstStyle/>
+          <a:p>
+            <a:pPr algn="ctr">
+              <a:tabLst>
+                <a:tab pos="1344613" algn="l"/>
+              </a:tabLst>
+            </a:pPr>
+            <a:r>
+              <a:rPr lang="zh-TW" altLang="en-US" sz="1400" dirty="0" smtClean="0">
+                <a:solidFill>
+                  <a:schemeClr val="tx1"/>
+                </a:solidFill>
+              </a:rPr>
+              <a:t>符合某種條件</a:t>
+            </a:r>
+            <a:endParaRPr lang="zh-TW" altLang="en-US" sz="1400" dirty="0">
+              <a:solidFill>
+                <a:schemeClr val="tx1"/>
+              </a:solidFill>
+            </a:endParaRPr>
+          </a:p>
+        </p:txBody>
+      </p:sp>
+      <p:cxnSp>
+        <p:nvCxnSpPr>
+          <p:cNvPr id="38" name="直線單箭頭接點 37"/>
+          <p:cNvCxnSpPr>
+            <a:stCxn id="30" idx="0"/>
+            <a:endCxn id="37" idx="2"/>
+          </p:cNvCxnSpPr>
+          <p:nvPr/>
+        </p:nvCxnSpPr>
+        <p:spPr>
+          <a:xfrm flipH="1" flipV="1">
+            <a:off x="10122280" y="4199314"/>
+            <a:ext cx="1" cy="375097"/>
+          </a:xfrm>
+          <a:prstGeom prst="straightConnector1">
+            <a:avLst/>
+          </a:prstGeom>
+          <a:ln w="28575">
+            <a:solidFill>
+              <a:schemeClr val="tx1"/>
+            </a:solidFill>
+            <a:headEnd type="none" w="med" len="med"/>
+            <a:tailEnd type="triangle" w="med" len="med"/>
+          </a:ln>
+        </p:spPr>
+        <p:style>
+          <a:lnRef idx="1">
+            <a:schemeClr val="accent1"/>
+          </a:lnRef>
+          <a:fillRef idx="0">
+            <a:schemeClr val="accent1"/>
+          </a:fillRef>
+          <a:effectRef idx="0">
+            <a:schemeClr val="accent1"/>
+          </a:effectRef>
+          <a:fontRef idx="minor">
+            <a:schemeClr val="tx1"/>
+          </a:fontRef>
+        </p:style>
+      </p:cxnSp>
+      <p:sp>
+        <p:nvSpPr>
+          <p:cNvPr id="39" name="矩形 38"/>
+          <p:cNvSpPr/>
+          <p:nvPr/>
+        </p:nvSpPr>
+        <p:spPr>
+          <a:xfrm>
+            <a:off x="9632245" y="2452239"/>
+            <a:ext cx="980067" cy="551596"/>
+          </a:xfrm>
+          <a:prstGeom prst="rect">
+            <a:avLst/>
+          </a:prstGeom>
+          <a:solidFill>
+            <a:schemeClr val="bg1"/>
+          </a:solidFill>
+          <a:ln w="38100">
+            <a:solidFill>
+              <a:schemeClr val="tx1"/>
+            </a:solidFill>
+          </a:ln>
+        </p:spPr>
+        <p:style>
+          <a:lnRef idx="2">
+            <a:schemeClr val="accent1">
+              <a:shade val="50000"/>
+            </a:schemeClr>
+          </a:lnRef>
+          <a:fillRef idx="1">
+            <a:schemeClr val="accent1"/>
+          </a:fillRef>
+          <a:effectRef idx="0">
+            <a:schemeClr val="accent1"/>
+          </a:effectRef>
+          <a:fontRef idx="minor">
+            <a:schemeClr val="lt1"/>
+          </a:fontRef>
+        </p:style>
+        <p:txBody>
+          <a:bodyPr rtlCol="0" anchor="ctr"/>
+          <a:lstStyle/>
+          <a:p>
+            <a:pPr algn="ctr"/>
+            <a:r>
+              <a:rPr lang="zh-TW" altLang="en-US" sz="1400" dirty="0" smtClean="0">
+                <a:solidFill>
+                  <a:schemeClr val="tx1"/>
+                </a:solidFill>
+              </a:rPr>
+              <a:t>重複執行的工作</a:t>
+            </a:r>
+            <a:r>
+              <a:rPr lang="en-US" altLang="zh-TW" sz="1400" dirty="0" smtClean="0">
+                <a:solidFill>
+                  <a:schemeClr val="tx1"/>
+                </a:solidFill>
+              </a:rPr>
+              <a:t>(2)</a:t>
+            </a:r>
+            <a:endParaRPr lang="zh-TW" altLang="en-US" sz="1400" dirty="0">
+              <a:solidFill>
+                <a:schemeClr val="tx1"/>
+              </a:solidFill>
+            </a:endParaRPr>
+          </a:p>
+        </p:txBody>
+      </p:sp>
+      <p:cxnSp>
+        <p:nvCxnSpPr>
+          <p:cNvPr id="40" name="直線單箭頭接點 39"/>
+          <p:cNvCxnSpPr>
+            <a:stCxn id="37" idx="0"/>
+            <a:endCxn id="39" idx="2"/>
+          </p:cNvCxnSpPr>
+          <p:nvPr/>
+        </p:nvCxnSpPr>
+        <p:spPr>
+          <a:xfrm flipH="1" flipV="1">
+            <a:off x="10122279" y="3003835"/>
+            <a:ext cx="1" cy="544130"/>
+          </a:xfrm>
+          <a:prstGeom prst="straightConnector1">
+            <a:avLst/>
+          </a:prstGeom>
+          <a:ln w="28575">
+            <a:solidFill>
+              <a:schemeClr val="tx1"/>
+            </a:solidFill>
+            <a:headEnd type="none" w="med" len="med"/>
+            <a:tailEnd type="triangle" w="med" len="med"/>
+          </a:ln>
+        </p:spPr>
+        <p:style>
+          <a:lnRef idx="1">
+            <a:schemeClr val="accent1"/>
+          </a:lnRef>
+          <a:fillRef idx="0">
+            <a:schemeClr val="accent1"/>
+          </a:fillRef>
+          <a:effectRef idx="0">
+            <a:schemeClr val="accent1"/>
+          </a:effectRef>
+          <a:fontRef idx="minor">
+            <a:schemeClr val="tx1"/>
+          </a:fontRef>
+        </p:style>
+      </p:cxnSp>
+      <p:cxnSp>
+        <p:nvCxnSpPr>
+          <p:cNvPr id="41" name="直線單箭頭接點 40"/>
+          <p:cNvCxnSpPr>
+            <a:stCxn id="39" idx="1"/>
+            <a:endCxn id="34" idx="3"/>
+          </p:cNvCxnSpPr>
+          <p:nvPr/>
+        </p:nvCxnSpPr>
+        <p:spPr>
+          <a:xfrm flipH="1">
+            <a:off x="8753725" y="2728037"/>
+            <a:ext cx="878520" cy="4159"/>
+          </a:xfrm>
+          <a:prstGeom prst="straightConnector1">
+            <a:avLst/>
+          </a:prstGeom>
+          <a:ln w="28575">
+            <a:solidFill>
+              <a:schemeClr val="tx1"/>
+            </a:solidFill>
+            <a:headEnd type="none" w="med" len="med"/>
+            <a:tailEnd type="triangle" w="med" len="med"/>
+          </a:ln>
+        </p:spPr>
+        <p:style>
+          <a:lnRef idx="1">
+            <a:schemeClr val="accent1"/>
+          </a:lnRef>
+          <a:fillRef idx="0">
+            <a:schemeClr val="accent1"/>
+          </a:fillRef>
+          <a:effectRef idx="0">
+            <a:schemeClr val="accent1"/>
+          </a:effectRef>
+          <a:fontRef idx="minor">
+            <a:schemeClr val="tx1"/>
+          </a:fontRef>
+        </p:style>
+      </p:cxnSp>
+      <p:sp>
+        <p:nvSpPr>
+          <p:cNvPr id="42" name="文字方塊 41"/>
+          <p:cNvSpPr txBox="1"/>
+          <p:nvPr/>
+        </p:nvSpPr>
+        <p:spPr>
+          <a:xfrm>
+            <a:off x="10756903" y="3955560"/>
+            <a:ext cx="617285" cy="338554"/>
+          </a:xfrm>
+          <a:prstGeom prst="rect">
+            <a:avLst/>
+          </a:prstGeom>
+          <a:noFill/>
+        </p:spPr>
+        <p:txBody>
+          <a:bodyPr wrap="none" rtlCol="0">
+            <a:spAutoFit/>
+          </a:bodyPr>
+          <a:lstStyle/>
+          <a:p>
+            <a:r>
+              <a:rPr lang="en-US" altLang="zh-TW" sz="1600" b="1" dirty="0" smtClean="0">
+                <a:solidFill>
+                  <a:srgbClr val="FF0000"/>
+                </a:solidFill>
+              </a:rPr>
+              <a:t>True</a:t>
+            </a:r>
+            <a:endParaRPr lang="zh-TW" altLang="en-US" sz="1600" b="1" dirty="0">
+              <a:solidFill>
+                <a:srgbClr val="FF0000"/>
+              </a:solidFill>
+            </a:endParaRPr>
+          </a:p>
+        </p:txBody>
+      </p:sp>
+      <p:cxnSp>
+        <p:nvCxnSpPr>
+          <p:cNvPr id="43" name="肘形接點 42"/>
+          <p:cNvCxnSpPr/>
+          <p:nvPr/>
+        </p:nvCxnSpPr>
+        <p:spPr>
+          <a:xfrm rot="10800000" flipV="1">
+            <a:off x="7530954" y="2476893"/>
+            <a:ext cx="795526" cy="385753"/>
+          </a:xfrm>
+          <a:prstGeom prst="bentConnector3">
+            <a:avLst>
+              <a:gd name="adj1" fmla="val -1724"/>
+            </a:avLst>
+          </a:prstGeom>
+          <a:ln w="38100">
+            <a:solidFill>
+              <a:srgbClr val="FF0000"/>
+            </a:solidFill>
+            <a:tailEnd type="triangle"/>
+          </a:ln>
+        </p:spPr>
+        <p:style>
+          <a:lnRef idx="1">
+            <a:schemeClr val="accent1"/>
+          </a:lnRef>
+          <a:fillRef idx="0">
+            <a:schemeClr val="accent1"/>
+          </a:fillRef>
+          <a:effectRef idx="0">
+            <a:schemeClr val="accent1"/>
+          </a:effectRef>
+          <a:fontRef idx="minor">
+            <a:schemeClr val="tx1"/>
+          </a:fontRef>
+        </p:style>
+      </p:cxnSp>
+    </p:spTree>
+    <p:extLst>
+      <p:ext uri="{BB962C8B-B14F-4D97-AF65-F5344CB8AC3E}">
+        <p14:creationId xmlns:p14="http://schemas.microsoft.com/office/powerpoint/2010/main" val="2038249310"/>
+      </p:ext>
+    </p:extLst>
+  </p:cSld>
+  <p:clrMapOvr>
+    <a:masterClrMapping/>
+  </p:clrMapOvr>
 </p:sld>
 </file>
 
